--- a/网络与通信安全/PPT模板.pptx
+++ b/网络与通信安全/PPT模板.pptx
@@ -5,16 +5,30 @@
     <p:sldMasterId id="2147483901" r:id="rId1"/>
   </p:sldMasterIdLst>
   <p:notesMasterIdLst>
-    <p:notesMasterId r:id="rId6"/>
+    <p:notesMasterId r:id="rId20"/>
   </p:notesMasterIdLst>
   <p:handoutMasterIdLst>
-    <p:handoutMasterId r:id="rId7"/>
+    <p:handoutMasterId r:id="rId21"/>
   </p:handoutMasterIdLst>
   <p:sldIdLst>
     <p:sldId id="256" r:id="rId2"/>
     <p:sldId id="259" r:id="rId3"/>
     <p:sldId id="260" r:id="rId4"/>
     <p:sldId id="261" r:id="rId5"/>
+    <p:sldId id="263" r:id="rId6"/>
+    <p:sldId id="262" r:id="rId7"/>
+    <p:sldId id="264" r:id="rId8"/>
+    <p:sldId id="265" r:id="rId9"/>
+    <p:sldId id="266" r:id="rId10"/>
+    <p:sldId id="267" r:id="rId11"/>
+    <p:sldId id="271" r:id="rId12"/>
+    <p:sldId id="273" r:id="rId13"/>
+    <p:sldId id="268" r:id="rId14"/>
+    <p:sldId id="272" r:id="rId15"/>
+    <p:sldId id="269" r:id="rId16"/>
+    <p:sldId id="270" r:id="rId17"/>
+    <p:sldId id="274" r:id="rId18"/>
+    <p:sldId id="275" r:id="rId19"/>
   </p:sldIdLst>
   <p:sldSz cx="12192000" cy="6858000"/>
   <p:notesSz cx="6858000" cy="9144000"/>
@@ -722,6 +736,358 @@
     </a:lvl9pPr>
   </p:notesStyle>
 </p:notesMaster>
+</file>
+
+<file path=ppt/notesSlides/notesSlide1.xml><?xml version="1.0" encoding="utf-8"?>
+<p:notes xmlns:a="http://schemas.openxmlformats.org/drawingml/2006/main" xmlns:r="http://schemas.openxmlformats.org/officeDocument/2006/relationships" xmlns:p="http://schemas.openxmlformats.org/presentationml/2006/main">
+  <p:cSld>
+    <p:spTree>
+      <p:nvGrpSpPr>
+        <p:cNvPr id="1" name=""/>
+        <p:cNvGrpSpPr/>
+        <p:nvPr/>
+      </p:nvGrpSpPr>
+      <p:grpSpPr>
+        <a:xfrm>
+          <a:off x="0" y="0"/>
+          <a:ext cx="0" cy="0"/>
+          <a:chOff x="0" y="0"/>
+          <a:chExt cx="0" cy="0"/>
+        </a:xfrm>
+      </p:grpSpPr>
+      <p:sp>
+        <p:nvSpPr>
+          <p:cNvPr id="2" name="幻灯片图像占位符 1"/>
+          <p:cNvSpPr>
+            <a:spLocks noGrp="1" noRot="1" noChangeAspect="1"/>
+          </p:cNvSpPr>
+          <p:nvPr>
+            <p:ph type="sldImg"/>
+          </p:nvPr>
+        </p:nvSpPr>
+        <p:spPr/>
+      </p:sp>
+      <p:sp>
+        <p:nvSpPr>
+          <p:cNvPr id="3" name="备注占位符 2"/>
+          <p:cNvSpPr>
+            <a:spLocks noGrp="1"/>
+          </p:cNvSpPr>
+          <p:nvPr>
+            <p:ph type="body" idx="1"/>
+          </p:nvPr>
+        </p:nvSpPr>
+        <p:spPr/>
+        <p:txBody>
+          <a:bodyPr/>
+          <a:lstStyle/>
+          <a:p>
+            <a:r>
+              <a:rPr lang="zh-CN" altLang="en-US" dirty="0" smtClean="0"/>
+              <a:t>简单功耗分析（</a:t>
+            </a:r>
+            <a:r>
+              <a:rPr lang="en-US" altLang="zh-CN" dirty="0" smtClean="0"/>
+              <a:t>Simple power analysis: SPA</a:t>
+            </a:r>
+            <a:r>
+              <a:rPr lang="zh-CN" altLang="en-US" dirty="0" smtClean="0"/>
+              <a:t>）主要通过</a:t>
+            </a:r>
+          </a:p>
+          <a:p>
+            <a:r>
+              <a:rPr lang="zh-CN" altLang="en-US" dirty="0" smtClean="0"/>
+              <a:t>分析功耗轨迹来推断密码算法处理的密钥比特或者操作，可用于分析算法在特定</a:t>
+            </a:r>
+          </a:p>
+          <a:p>
+            <a:r>
+              <a:rPr lang="zh-CN" altLang="en-US" dirty="0" smtClean="0"/>
+              <a:t>时间执行了什么特定指令，以及指令中涉及的秘密参量含义。</a:t>
+            </a:r>
+            <a:r>
+              <a:rPr lang="en-US" altLang="zh-CN" dirty="0" smtClean="0"/>
+              <a:t>SPA</a:t>
+            </a:r>
+            <a:r>
+              <a:rPr lang="zh-CN" altLang="en-US" dirty="0" smtClean="0"/>
+              <a:t>主要适用于使</a:t>
+            </a:r>
+          </a:p>
+          <a:p>
+            <a:r>
+              <a:rPr lang="zh-CN" altLang="en-US" dirty="0" smtClean="0"/>
+              <a:t>用了跳转指令，且跳转指令功耗消耗特征差别比较大或密钥位特征可从功耗曲线</a:t>
+            </a:r>
+          </a:p>
+          <a:p>
+            <a:r>
+              <a:rPr lang="zh-CN" altLang="en-US" dirty="0" smtClean="0"/>
+              <a:t>上直接区分出来的算法。</a:t>
+            </a:r>
+            <a:endParaRPr lang="zh-CN" altLang="en-US" dirty="0"/>
+          </a:p>
+        </p:txBody>
+      </p:sp>
+      <p:sp>
+        <p:nvSpPr>
+          <p:cNvPr id="4" name="灯片编号占位符 3"/>
+          <p:cNvSpPr>
+            <a:spLocks noGrp="1"/>
+          </p:cNvSpPr>
+          <p:nvPr>
+            <p:ph type="sldNum" sz="quarter" idx="10"/>
+          </p:nvPr>
+        </p:nvSpPr>
+        <p:spPr/>
+        <p:txBody>
+          <a:bodyPr/>
+          <a:lstStyle/>
+          <a:p>
+            <a:fld id="{02322656-8894-1544-92AA-01B3CF5E6182}" type="slidenum">
+              <a:rPr lang="en-US" smtClean="0"/>
+              <a:pPr/>
+              <a:t>4</a:t>
+            </a:fld>
+            <a:endParaRPr lang="en-US" dirty="0"/>
+          </a:p>
+        </p:txBody>
+      </p:sp>
+    </p:spTree>
+    <p:extLst>
+      <p:ext uri="{BB962C8B-B14F-4D97-AF65-F5344CB8AC3E}">
+        <p14:creationId xmlns:p14="http://schemas.microsoft.com/office/powerpoint/2010/main" val="1580787692"/>
+      </p:ext>
+    </p:extLst>
+  </p:cSld>
+  <p:clrMapOvr>
+    <a:masterClrMapping/>
+  </p:clrMapOvr>
+</p:notes>
+</file>
+
+<file path=ppt/notesSlides/notesSlide2.xml><?xml version="1.0" encoding="utf-8"?>
+<p:notes xmlns:a="http://schemas.openxmlformats.org/drawingml/2006/main" xmlns:r="http://schemas.openxmlformats.org/officeDocument/2006/relationships" xmlns:p="http://schemas.openxmlformats.org/presentationml/2006/main">
+  <p:cSld>
+    <p:spTree>
+      <p:nvGrpSpPr>
+        <p:cNvPr id="1" name=""/>
+        <p:cNvGrpSpPr/>
+        <p:nvPr/>
+      </p:nvGrpSpPr>
+      <p:grpSpPr>
+        <a:xfrm>
+          <a:off x="0" y="0"/>
+          <a:ext cx="0" cy="0"/>
+          <a:chOff x="0" y="0"/>
+          <a:chExt cx="0" cy="0"/>
+        </a:xfrm>
+      </p:grpSpPr>
+      <p:sp>
+        <p:nvSpPr>
+          <p:cNvPr id="2" name="幻灯片图像占位符 1"/>
+          <p:cNvSpPr>
+            <a:spLocks noGrp="1" noRot="1" noChangeAspect="1"/>
+          </p:cNvSpPr>
+          <p:nvPr>
+            <p:ph type="sldImg"/>
+          </p:nvPr>
+        </p:nvSpPr>
+        <p:spPr/>
+      </p:sp>
+      <p:sp>
+        <p:nvSpPr>
+          <p:cNvPr id="3" name="备注占位符 2"/>
+          <p:cNvSpPr>
+            <a:spLocks noGrp="1"/>
+          </p:cNvSpPr>
+          <p:nvPr>
+            <p:ph type="body" idx="1"/>
+          </p:nvPr>
+        </p:nvSpPr>
+        <p:spPr/>
+        <p:txBody>
+          <a:bodyPr/>
+          <a:lstStyle/>
+          <a:p>
+            <a:r>
+              <a:rPr lang="zh-CN" altLang="en-US" dirty="0" smtClean="0"/>
+              <a:t>相关功耗分析</a:t>
+            </a:r>
+            <a:r>
+              <a:rPr lang="en-US" altLang="zh-CN" dirty="0" smtClean="0"/>
+              <a:t>(Correlation power analysis: CPA)</a:t>
+            </a:r>
+            <a:r>
+              <a:rPr lang="zh-CN" altLang="en-US" dirty="0" smtClean="0"/>
+              <a:t>方法，主要根据</a:t>
+            </a:r>
+          </a:p>
+          <a:p>
+            <a:r>
+              <a:rPr lang="zh-CN" altLang="en-US" dirty="0" smtClean="0"/>
+              <a:t>已知输入或输出，结合预测的密钥片段，猜测多个样本执行同一操作时的汉明重</a:t>
+            </a:r>
+          </a:p>
+          <a:p>
+            <a:r>
+              <a:rPr lang="zh-CN" altLang="en-US" dirty="0" smtClean="0"/>
+              <a:t>或汉明距离，计算预测汉明重向量与实际采集的功耗矩阵每一列的相关性系数，</a:t>
+            </a:r>
+          </a:p>
+          <a:p>
+            <a:r>
+              <a:rPr lang="zh-CN" altLang="en-US" dirty="0" smtClean="0"/>
+              <a:t>得到一条功耗相关系数曲线</a:t>
+            </a:r>
+            <a:endParaRPr lang="zh-CN" altLang="en-US" dirty="0"/>
+          </a:p>
+        </p:txBody>
+      </p:sp>
+      <p:sp>
+        <p:nvSpPr>
+          <p:cNvPr id="4" name="灯片编号占位符 3"/>
+          <p:cNvSpPr>
+            <a:spLocks noGrp="1"/>
+          </p:cNvSpPr>
+          <p:nvPr>
+            <p:ph type="sldNum" sz="quarter" idx="10"/>
+          </p:nvPr>
+        </p:nvSpPr>
+        <p:spPr/>
+        <p:txBody>
+          <a:bodyPr/>
+          <a:lstStyle/>
+          <a:p>
+            <a:fld id="{02322656-8894-1544-92AA-01B3CF5E6182}" type="slidenum">
+              <a:rPr lang="en-US" smtClean="0"/>
+              <a:pPr/>
+              <a:t>6</a:t>
+            </a:fld>
+            <a:endParaRPr lang="en-US" dirty="0"/>
+          </a:p>
+        </p:txBody>
+      </p:sp>
+    </p:spTree>
+    <p:extLst>
+      <p:ext uri="{BB962C8B-B14F-4D97-AF65-F5344CB8AC3E}">
+        <p14:creationId xmlns:p14="http://schemas.microsoft.com/office/powerpoint/2010/main" val="312813183"/>
+      </p:ext>
+    </p:extLst>
+  </p:cSld>
+  <p:clrMapOvr>
+    <a:masterClrMapping/>
+  </p:clrMapOvr>
+</p:notes>
+</file>
+
+<file path=ppt/notesSlides/notesSlide3.xml><?xml version="1.0" encoding="utf-8"?>
+<p:notes xmlns:a="http://schemas.openxmlformats.org/drawingml/2006/main" xmlns:r="http://schemas.openxmlformats.org/officeDocument/2006/relationships" xmlns:p="http://schemas.openxmlformats.org/presentationml/2006/main">
+  <p:cSld>
+    <p:spTree>
+      <p:nvGrpSpPr>
+        <p:cNvPr id="1" name=""/>
+        <p:cNvGrpSpPr/>
+        <p:nvPr/>
+      </p:nvGrpSpPr>
+      <p:grpSpPr>
+        <a:xfrm>
+          <a:off x="0" y="0"/>
+          <a:ext cx="0" cy="0"/>
+          <a:chOff x="0" y="0"/>
+          <a:chExt cx="0" cy="0"/>
+        </a:xfrm>
+      </p:grpSpPr>
+      <p:sp>
+        <p:nvSpPr>
+          <p:cNvPr id="2" name="幻灯片图像占位符 1"/>
+          <p:cNvSpPr>
+            <a:spLocks noGrp="1" noRot="1" noChangeAspect="1"/>
+          </p:cNvSpPr>
+          <p:nvPr>
+            <p:ph type="sldImg"/>
+          </p:nvPr>
+        </p:nvSpPr>
+        <p:spPr/>
+      </p:sp>
+      <p:sp>
+        <p:nvSpPr>
+          <p:cNvPr id="3" name="备注占位符 2"/>
+          <p:cNvSpPr>
+            <a:spLocks noGrp="1"/>
+          </p:cNvSpPr>
+          <p:nvPr>
+            <p:ph type="body" idx="1"/>
+          </p:nvPr>
+        </p:nvSpPr>
+        <p:spPr/>
+        <p:txBody>
+          <a:bodyPr/>
+          <a:lstStyle/>
+          <a:p>
+            <a:pPr marL="0" marR="0" lvl="0" indent="0" algn="l" defTabSz="1219170" rtl="0" eaLnBrk="1" fontAlgn="auto" latinLnBrk="0" hangingPunct="1">
+              <a:lnSpc>
+                <a:spcPct val="100000"/>
+              </a:lnSpc>
+              <a:spcBef>
+                <a:spcPts val="0"/>
+              </a:spcBef>
+              <a:spcAft>
+                <a:spcPts val="0"/>
+              </a:spcAft>
+              <a:buClrTx/>
+              <a:buSzTx/>
+              <a:buFontTx/>
+              <a:buNone/>
+              <a:tabLst/>
+              <a:defRPr/>
+            </a:pPr>
+            <a:r>
+              <a:rPr lang="zh-CN" altLang="en-US" dirty="0" smtClean="0"/>
+              <a:t>最终导致深度学习模型的错误分类。</a:t>
+            </a:r>
+          </a:p>
+          <a:p>
+            <a:endParaRPr lang="zh-CN" altLang="en-US" dirty="0"/>
+          </a:p>
+        </p:txBody>
+      </p:sp>
+      <p:sp>
+        <p:nvSpPr>
+          <p:cNvPr id="4" name="灯片编号占位符 3"/>
+          <p:cNvSpPr>
+            <a:spLocks noGrp="1"/>
+          </p:cNvSpPr>
+          <p:nvPr>
+            <p:ph type="sldNum" sz="quarter" idx="10"/>
+          </p:nvPr>
+        </p:nvSpPr>
+        <p:spPr/>
+        <p:txBody>
+          <a:bodyPr/>
+          <a:lstStyle/>
+          <a:p>
+            <a:fld id="{02322656-8894-1544-92AA-01B3CF5E6182}" type="slidenum">
+              <a:rPr lang="en-US" smtClean="0"/>
+              <a:pPr/>
+              <a:t>11</a:t>
+            </a:fld>
+            <a:endParaRPr lang="en-US" dirty="0"/>
+          </a:p>
+        </p:txBody>
+      </p:sp>
+    </p:spTree>
+    <p:extLst>
+      <p:ext uri="{BB962C8B-B14F-4D97-AF65-F5344CB8AC3E}">
+        <p14:creationId xmlns:p14="http://schemas.microsoft.com/office/powerpoint/2010/main" val="1866121576"/>
+      </p:ext>
+    </p:extLst>
+  </p:cSld>
+  <p:clrMapOvr>
+    <a:masterClrMapping/>
+  </p:clrMapOvr>
+</p:notes>
 </file>
 
 <file path=ppt/slideLayouts/slideLayout1.xml><?xml version="1.0" encoding="utf-8"?>
@@ -2376,6 +2742,1289 @@
   <p:clrMapOvr>
     <a:masterClrMapping/>
   </p:clrMapOvr>
+  <p:timing>
+    <p:tnLst>
+      <p:par>
+        <p:cTn id="1" dur="indefinite" restart="never" nodeType="tmRoot"/>
+      </p:par>
+    </p:tnLst>
+  </p:timing>
+</p:sld>
+</file>
+
+<file path=ppt/slides/slide10.xml><?xml version="1.0" encoding="utf-8"?>
+<p:sld xmlns:a="http://schemas.openxmlformats.org/drawingml/2006/main" xmlns:r="http://schemas.openxmlformats.org/officeDocument/2006/relationships" xmlns:p="http://schemas.openxmlformats.org/presentationml/2006/main">
+  <p:cSld>
+    <p:spTree>
+      <p:nvGrpSpPr>
+        <p:cNvPr id="1" name=""/>
+        <p:cNvGrpSpPr/>
+        <p:nvPr/>
+      </p:nvGrpSpPr>
+      <p:grpSpPr>
+        <a:xfrm>
+          <a:off x="0" y="0"/>
+          <a:ext cx="0" cy="0"/>
+          <a:chOff x="0" y="0"/>
+          <a:chExt cx="0" cy="0"/>
+        </a:xfrm>
+      </p:grpSpPr>
+      <p:sp>
+        <p:nvSpPr>
+          <p:cNvPr id="2" name="内容占位符 1"/>
+          <p:cNvSpPr>
+            <a:spLocks noGrp="1"/>
+          </p:cNvSpPr>
+          <p:nvPr>
+            <p:ph sz="quarter" idx="10"/>
+          </p:nvPr>
+        </p:nvSpPr>
+        <p:spPr/>
+        <p:txBody>
+          <a:bodyPr/>
+          <a:lstStyle/>
+          <a:p>
+            <a:r>
+              <a:rPr lang="zh-CN" altLang="en-US" sz="2800" dirty="0"/>
+              <a:t>单偏置攻击（</a:t>
+            </a:r>
+            <a:r>
+              <a:rPr lang="en-US" altLang="zh-CN" sz="2800" dirty="0"/>
+              <a:t>single bias attack, SBA</a:t>
+            </a:r>
+            <a:r>
+              <a:rPr lang="zh-CN" altLang="en-US" sz="2800" dirty="0"/>
+              <a:t>）</a:t>
+            </a:r>
+            <a:endParaRPr lang="en-US" altLang="zh-CN" sz="2800" dirty="0"/>
+          </a:p>
+          <a:p>
+            <a:pPr lvl="1"/>
+            <a:r>
+              <a:rPr lang="en-US" altLang="zh-CN" sz="2400" dirty="0"/>
+              <a:t>SBA</a:t>
+            </a:r>
+            <a:r>
+              <a:rPr lang="zh-CN" altLang="en-US" sz="2400" dirty="0"/>
+              <a:t>能够通过仅修改网络中的某个偏差项来实现错误分类。</a:t>
+            </a:r>
+            <a:endParaRPr lang="en-US" altLang="zh-CN" sz="2400" dirty="0"/>
+          </a:p>
+          <a:p>
+            <a:r>
+              <a:rPr lang="zh-CN" altLang="en-US" sz="2800" dirty="0"/>
+              <a:t>梯度下降攻击（</a:t>
+            </a:r>
+            <a:r>
+              <a:rPr lang="en-US" altLang="zh-CN" sz="2800" dirty="0"/>
+              <a:t>Gradient descent </a:t>
+            </a:r>
+            <a:r>
+              <a:rPr lang="en-US" altLang="zh-CN" sz="2800" dirty="0" err="1"/>
+              <a:t>attack,GDA</a:t>
+            </a:r>
+            <a:r>
+              <a:rPr lang="zh-CN" altLang="en-US" sz="2800" dirty="0"/>
+              <a:t>）</a:t>
+            </a:r>
+            <a:endParaRPr lang="en-US" altLang="zh-CN" sz="2800" dirty="0"/>
+          </a:p>
+          <a:p>
+            <a:pPr lvl="1"/>
+            <a:r>
+              <a:rPr lang="en-US" altLang="zh-CN" sz="2400" dirty="0"/>
+              <a:t>GDA</a:t>
+            </a:r>
+            <a:r>
+              <a:rPr lang="zh-CN" altLang="en-US" sz="2400" dirty="0"/>
+              <a:t>通过分层搜索和修改压缩技术，使得整个故障注入攻击能够以更少的攻击次数达到足够理想的结果。</a:t>
+            </a:r>
+            <a:endParaRPr lang="en-US" altLang="zh-CN" sz="2400" dirty="0"/>
+          </a:p>
+          <a:p>
+            <a:endParaRPr lang="zh-CN" altLang="en-US" dirty="0"/>
+          </a:p>
+        </p:txBody>
+      </p:sp>
+      <p:sp>
+        <p:nvSpPr>
+          <p:cNvPr id="3" name="标题 2"/>
+          <p:cNvSpPr>
+            <a:spLocks noGrp="1"/>
+          </p:cNvSpPr>
+          <p:nvPr>
+            <p:ph type="title"/>
+          </p:nvPr>
+        </p:nvSpPr>
+        <p:spPr/>
+        <p:txBody>
+          <a:bodyPr/>
+          <a:lstStyle/>
+          <a:p>
+            <a:r>
+              <a:rPr lang="zh-CN" altLang="en-US" dirty="0" smtClean="0"/>
+              <a:t>错误分类</a:t>
+            </a:r>
+            <a:endParaRPr lang="zh-CN" altLang="en-US" dirty="0"/>
+          </a:p>
+        </p:txBody>
+      </p:sp>
+    </p:spTree>
+    <p:extLst>
+      <p:ext uri="{BB962C8B-B14F-4D97-AF65-F5344CB8AC3E}">
+        <p14:creationId xmlns:p14="http://schemas.microsoft.com/office/powerpoint/2010/main" val="1981300144"/>
+      </p:ext>
+    </p:extLst>
+  </p:cSld>
+  <p:clrMapOvr>
+    <a:masterClrMapping/>
+  </p:clrMapOvr>
+</p:sld>
+</file>
+
+<file path=ppt/slides/slide11.xml><?xml version="1.0" encoding="utf-8"?>
+<p:sld xmlns:a="http://schemas.openxmlformats.org/drawingml/2006/main" xmlns:r="http://schemas.openxmlformats.org/officeDocument/2006/relationships" xmlns:p="http://schemas.openxmlformats.org/presentationml/2006/main">
+  <p:cSld>
+    <p:spTree>
+      <p:nvGrpSpPr>
+        <p:cNvPr id="1" name=""/>
+        <p:cNvGrpSpPr/>
+        <p:nvPr/>
+      </p:nvGrpSpPr>
+      <p:grpSpPr>
+        <a:xfrm>
+          <a:off x="0" y="0"/>
+          <a:ext cx="0" cy="0"/>
+          <a:chOff x="0" y="0"/>
+          <a:chExt cx="0" cy="0"/>
+        </a:xfrm>
+      </p:grpSpPr>
+      <p:sp>
+        <p:nvSpPr>
+          <p:cNvPr id="2" name="内容占位符 1"/>
+          <p:cNvSpPr>
+            <a:spLocks noGrp="1"/>
+          </p:cNvSpPr>
+          <p:nvPr>
+            <p:ph sz="quarter" idx="10"/>
+          </p:nvPr>
+        </p:nvSpPr>
+        <p:spPr/>
+        <p:txBody>
+          <a:bodyPr/>
+          <a:lstStyle/>
+          <a:p>
+            <a:r>
+              <a:rPr lang="en-US" altLang="zh-CN" dirty="0"/>
+              <a:t>Jakub </a:t>
+            </a:r>
+            <a:r>
+              <a:rPr lang="en-US" altLang="zh-CN" dirty="0" err="1"/>
+              <a:t>Breier</a:t>
+            </a:r>
+            <a:r>
+              <a:rPr lang="zh-CN" altLang="en-US" dirty="0"/>
+              <a:t>等</a:t>
+            </a:r>
+            <a:r>
+              <a:rPr lang="zh-CN" altLang="en-US" dirty="0" smtClean="0"/>
+              <a:t>人用激光故障注入方式进行攻击</a:t>
+            </a:r>
+            <a:endParaRPr lang="en-US" altLang="zh-CN" dirty="0" smtClean="0"/>
+          </a:p>
+          <a:p>
+            <a:r>
+              <a:rPr lang="zh-CN" altLang="en-US" dirty="0" smtClean="0"/>
+              <a:t>在</a:t>
+            </a:r>
+            <a:r>
+              <a:rPr lang="en-US" altLang="zh-CN" dirty="0"/>
+              <a:t>AT-mega328P</a:t>
+            </a:r>
+            <a:r>
+              <a:rPr lang="zh-CN" altLang="en-US" dirty="0"/>
+              <a:t>上实现的</a:t>
+            </a:r>
+            <a:r>
+              <a:rPr lang="zh-CN" altLang="en-US" dirty="0" smtClean="0"/>
+              <a:t>神经网络</a:t>
+            </a:r>
+            <a:r>
+              <a:rPr lang="zh-CN" altLang="en-US" dirty="0"/>
+              <a:t>的激活函数，使该模型跳</a:t>
+            </a:r>
+            <a:r>
+              <a:rPr lang="zh-CN" altLang="en-US" dirty="0" smtClean="0"/>
+              <a:t>过执行</a:t>
+            </a:r>
+            <a:r>
+              <a:rPr lang="zh-CN" altLang="en-US" dirty="0"/>
+              <a:t>激活功能的</a:t>
+            </a:r>
+            <a:r>
+              <a:rPr lang="zh-CN" altLang="en-US" dirty="0" smtClean="0"/>
+              <a:t>指令</a:t>
+            </a:r>
+            <a:endParaRPr lang="en-US" altLang="zh-CN" dirty="0" smtClean="0"/>
+          </a:p>
+          <a:p>
+            <a:r>
+              <a:rPr lang="zh-CN" altLang="en-US" dirty="0" smtClean="0"/>
+              <a:t>不同</a:t>
+            </a:r>
+            <a:r>
+              <a:rPr lang="zh-CN" altLang="en-US" dirty="0"/>
+              <a:t>的激活函数</a:t>
+            </a:r>
+            <a:r>
+              <a:rPr lang="zh-CN" altLang="en-US" dirty="0" smtClean="0"/>
+              <a:t>产生负面</a:t>
+            </a:r>
+            <a:r>
+              <a:rPr lang="zh-CN" altLang="en-US" dirty="0"/>
+              <a:t>结果：</a:t>
+            </a:r>
+            <a:r>
+              <a:rPr lang="en-US" altLang="zh-CN" dirty="0" err="1"/>
+              <a:t>ReLu</a:t>
+            </a:r>
+            <a:r>
+              <a:rPr lang="zh-CN" altLang="en-US" dirty="0"/>
+              <a:t>（导致零功能，即无效神经元），</a:t>
+            </a:r>
+            <a:r>
+              <a:rPr lang="en-US" altLang="zh-CN" dirty="0"/>
+              <a:t>sigmoid</a:t>
+            </a:r>
+            <a:r>
+              <a:rPr lang="zh-CN" altLang="en-US" dirty="0"/>
+              <a:t>和</a:t>
+            </a:r>
+            <a:r>
+              <a:rPr lang="en-US" altLang="zh-CN" dirty="0" err="1"/>
+              <a:t>tanh</a:t>
+            </a:r>
+            <a:r>
+              <a:rPr lang="zh-CN" altLang="en-US" dirty="0"/>
+              <a:t>（水平翻转</a:t>
+            </a:r>
+            <a:r>
+              <a:rPr lang="zh-CN" altLang="en-US" dirty="0" smtClean="0"/>
+              <a:t>导致</a:t>
+            </a:r>
+            <a:r>
+              <a:rPr lang="zh-CN" altLang="en-US" dirty="0"/>
+              <a:t>功能</a:t>
+            </a:r>
+            <a:r>
+              <a:rPr lang="zh-CN" altLang="en-US" dirty="0" smtClean="0"/>
+              <a:t>下降</a:t>
+            </a:r>
+            <a:r>
+              <a:rPr lang="zh-CN" altLang="en-US" dirty="0" smtClean="0"/>
+              <a:t>）</a:t>
+            </a:r>
+            <a:endParaRPr lang="en-US" altLang="zh-CN" dirty="0" smtClean="0"/>
+          </a:p>
+        </p:txBody>
+      </p:sp>
+      <p:sp>
+        <p:nvSpPr>
+          <p:cNvPr id="3" name="标题 2"/>
+          <p:cNvSpPr>
+            <a:spLocks noGrp="1"/>
+          </p:cNvSpPr>
+          <p:nvPr>
+            <p:ph type="title"/>
+          </p:nvPr>
+        </p:nvSpPr>
+        <p:spPr/>
+        <p:txBody>
+          <a:bodyPr/>
+          <a:lstStyle/>
+          <a:p>
+            <a:r>
+              <a:rPr lang="zh-CN" altLang="en-US" dirty="0" smtClean="0"/>
+              <a:t>错误分类</a:t>
+            </a:r>
+            <a:endParaRPr lang="zh-CN" altLang="en-US" dirty="0"/>
+          </a:p>
+        </p:txBody>
+      </p:sp>
+    </p:spTree>
+    <p:extLst>
+      <p:ext uri="{BB962C8B-B14F-4D97-AF65-F5344CB8AC3E}">
+        <p14:creationId xmlns:p14="http://schemas.microsoft.com/office/powerpoint/2010/main" val="1460659811"/>
+      </p:ext>
+    </p:extLst>
+  </p:cSld>
+  <p:clrMapOvr>
+    <a:masterClrMapping/>
+  </p:clrMapOvr>
+</p:sld>
+</file>
+
+<file path=ppt/slides/slide12.xml><?xml version="1.0" encoding="utf-8"?>
+<p:sld xmlns:a="http://schemas.openxmlformats.org/drawingml/2006/main" xmlns:r="http://schemas.openxmlformats.org/officeDocument/2006/relationships" xmlns:p="http://schemas.openxmlformats.org/presentationml/2006/main">
+  <p:cSld>
+    <p:spTree>
+      <p:nvGrpSpPr>
+        <p:cNvPr id="1" name=""/>
+        <p:cNvGrpSpPr/>
+        <p:nvPr/>
+      </p:nvGrpSpPr>
+      <p:grpSpPr>
+        <a:xfrm>
+          <a:off x="0" y="0"/>
+          <a:ext cx="0" cy="0"/>
+          <a:chOff x="0" y="0"/>
+          <a:chExt cx="0" cy="0"/>
+        </a:xfrm>
+      </p:grpSpPr>
+      <p:sp>
+        <p:nvSpPr>
+          <p:cNvPr id="2" name="内容占位符 1"/>
+          <p:cNvSpPr>
+            <a:spLocks noGrp="1"/>
+          </p:cNvSpPr>
+          <p:nvPr>
+            <p:ph sz="quarter" idx="10"/>
+          </p:nvPr>
+        </p:nvSpPr>
+        <p:spPr/>
+        <p:txBody>
+          <a:bodyPr/>
+          <a:lstStyle/>
+          <a:p>
+            <a:endParaRPr lang="zh-CN" altLang="en-US"/>
+          </a:p>
+        </p:txBody>
+      </p:sp>
+      <p:sp>
+        <p:nvSpPr>
+          <p:cNvPr id="3" name="标题 2"/>
+          <p:cNvSpPr>
+            <a:spLocks noGrp="1"/>
+          </p:cNvSpPr>
+          <p:nvPr>
+            <p:ph type="title"/>
+          </p:nvPr>
+        </p:nvSpPr>
+        <p:spPr/>
+        <p:txBody>
+          <a:bodyPr/>
+          <a:lstStyle/>
+          <a:p>
+            <a:r>
+              <a:rPr lang="zh-CN" altLang="en-US" dirty="0" smtClean="0"/>
+              <a:t>实现平台</a:t>
+            </a:r>
+            <a:endParaRPr lang="zh-CN" altLang="en-US" dirty="0"/>
+          </a:p>
+        </p:txBody>
+      </p:sp>
+      <p:pic>
+        <p:nvPicPr>
+          <p:cNvPr id="4" name="图片 3" descr="C:\Users\ADMINI~1\AppData\Local\Temp\WeChat Files\c70ce68b7c056a75d886ade3aa7ca13.jpg"/>
+          <p:cNvPicPr/>
+          <p:nvPr/>
+        </p:nvPicPr>
+        <p:blipFill>
+          <a:blip r:embed="rId2" cstate="print">
+            <a:extLst>
+              <a:ext uri="{28A0092B-C50C-407E-A947-70E740481C1C}">
+                <a14:useLocalDpi xmlns:a14="http://schemas.microsoft.com/office/drawing/2010/main" val="0"/>
+              </a:ext>
+            </a:extLst>
+          </a:blip>
+          <a:srcRect/>
+          <a:stretch>
+            <a:fillRect/>
+          </a:stretch>
+        </p:blipFill>
+        <p:spPr bwMode="auto">
+          <a:xfrm>
+            <a:off x="491070" y="2185166"/>
+            <a:ext cx="7401687" cy="2948872"/>
+          </a:xfrm>
+          <a:prstGeom prst="rect">
+            <a:avLst/>
+          </a:prstGeom>
+          <a:noFill/>
+          <a:ln>
+            <a:noFill/>
+          </a:ln>
+        </p:spPr>
+      </p:pic>
+    </p:spTree>
+    <p:extLst>
+      <p:ext uri="{BB962C8B-B14F-4D97-AF65-F5344CB8AC3E}">
+        <p14:creationId xmlns:p14="http://schemas.microsoft.com/office/powerpoint/2010/main" val="3405698980"/>
+      </p:ext>
+    </p:extLst>
+  </p:cSld>
+  <p:clrMapOvr>
+    <a:masterClrMapping/>
+  </p:clrMapOvr>
+</p:sld>
+</file>
+
+<file path=ppt/slides/slide13.xml><?xml version="1.0" encoding="utf-8"?>
+<p:sld xmlns:a="http://schemas.openxmlformats.org/drawingml/2006/main" xmlns:r="http://schemas.openxmlformats.org/officeDocument/2006/relationships" xmlns:p="http://schemas.openxmlformats.org/presentationml/2006/main">
+  <p:cSld>
+    <p:spTree>
+      <p:nvGrpSpPr>
+        <p:cNvPr id="1" name=""/>
+        <p:cNvGrpSpPr/>
+        <p:nvPr/>
+      </p:nvGrpSpPr>
+      <p:grpSpPr>
+        <a:xfrm>
+          <a:off x="0" y="0"/>
+          <a:ext cx="0" cy="0"/>
+          <a:chOff x="0" y="0"/>
+          <a:chExt cx="0" cy="0"/>
+        </a:xfrm>
+      </p:grpSpPr>
+      <p:sp>
+        <p:nvSpPr>
+          <p:cNvPr id="2" name="内容占位符 1"/>
+          <p:cNvSpPr>
+            <a:spLocks noGrp="1"/>
+          </p:cNvSpPr>
+          <p:nvPr>
+            <p:ph sz="quarter" idx="10"/>
+          </p:nvPr>
+        </p:nvSpPr>
+        <p:spPr>
+          <a:xfrm>
+            <a:off x="566928" y="1853895"/>
+            <a:ext cx="10515600" cy="3848100"/>
+          </a:xfrm>
+        </p:spPr>
+        <p:txBody>
+          <a:bodyPr/>
+          <a:lstStyle/>
+          <a:p>
+            <a:r>
+              <a:rPr lang="en-US" altLang="zh-CN" dirty="0" err="1"/>
+              <a:t>Lejla</a:t>
+            </a:r>
+            <a:r>
+              <a:rPr lang="en-US" altLang="zh-CN" dirty="0"/>
+              <a:t> </a:t>
+            </a:r>
+            <a:r>
+              <a:rPr lang="en-US" altLang="zh-CN" dirty="0" err="1"/>
+              <a:t>Batina</a:t>
+            </a:r>
+            <a:r>
+              <a:rPr lang="en-US" altLang="zh-CN" dirty="0"/>
+              <a:t> </a:t>
+            </a:r>
+            <a:r>
+              <a:rPr lang="zh-CN" altLang="en-US" dirty="0"/>
+              <a:t>等</a:t>
+            </a:r>
+            <a:r>
+              <a:rPr lang="zh-CN" altLang="en-US" dirty="0" smtClean="0"/>
+              <a:t>人进行</a:t>
+            </a:r>
+            <a:r>
+              <a:rPr lang="zh-CN" altLang="en-US" dirty="0"/>
+              <a:t>了基于嵌入式深度学习模型的旁路</a:t>
+            </a:r>
+            <a:r>
+              <a:rPr lang="zh-CN" altLang="en-US" dirty="0" smtClean="0"/>
+              <a:t>分析</a:t>
+            </a:r>
+            <a:endParaRPr lang="en-US" altLang="zh-CN" dirty="0" smtClean="0"/>
+          </a:p>
+          <a:p>
+            <a:r>
+              <a:rPr lang="zh-CN" altLang="en-US" dirty="0"/>
+              <a:t>在</a:t>
+            </a:r>
+            <a:r>
+              <a:rPr lang="en-US" altLang="zh-CN" dirty="0"/>
+              <a:t>Atmel AT-mega328P</a:t>
+            </a:r>
+            <a:r>
+              <a:rPr lang="zh-CN" altLang="en-US" dirty="0"/>
+              <a:t>（</a:t>
+            </a:r>
+            <a:r>
+              <a:rPr lang="en-US" altLang="zh-CN" dirty="0"/>
+              <a:t>8</a:t>
+            </a:r>
+            <a:r>
+              <a:rPr lang="zh-CN" altLang="en-US" dirty="0"/>
+              <a:t>位微控制器）上实现</a:t>
+            </a:r>
+            <a:r>
+              <a:rPr lang="zh-CN" altLang="en-US" dirty="0" smtClean="0"/>
+              <a:t>并编译训练</a:t>
+            </a:r>
+            <a:r>
+              <a:rPr lang="zh-CN" altLang="en-US" dirty="0"/>
+              <a:t>好的神经网络（简单的多层感知器</a:t>
+            </a:r>
+            <a:r>
+              <a:rPr lang="zh-CN" altLang="en-US" dirty="0" smtClean="0"/>
+              <a:t>）</a:t>
+            </a:r>
+            <a:endParaRPr lang="en-US" altLang="zh-CN" dirty="0" smtClean="0"/>
+          </a:p>
+          <a:p>
+            <a:r>
+              <a:rPr lang="zh-CN" altLang="en-US" dirty="0"/>
+              <a:t>分析和提取激活函数（</a:t>
+            </a:r>
+            <a:r>
+              <a:rPr lang="en-US" altLang="zh-CN" dirty="0" err="1"/>
+              <a:t>ReLu</a:t>
+            </a:r>
+            <a:r>
+              <a:rPr lang="zh-CN" altLang="en-US" dirty="0"/>
+              <a:t>，</a:t>
+            </a:r>
+            <a:r>
+              <a:rPr lang="en-US" altLang="zh-CN" dirty="0"/>
+              <a:t>sigmoid</a:t>
+            </a:r>
+            <a:r>
+              <a:rPr lang="zh-CN" altLang="en-US" dirty="0"/>
+              <a:t>，</a:t>
+            </a:r>
+            <a:r>
+              <a:rPr lang="en-US" altLang="zh-CN" dirty="0" err="1"/>
+              <a:t>tanh</a:t>
+            </a:r>
+            <a:r>
+              <a:rPr lang="zh-CN" altLang="en-US" dirty="0"/>
+              <a:t>，</a:t>
+            </a:r>
+            <a:r>
+              <a:rPr lang="en-US" altLang="zh-CN" dirty="0" err="1"/>
+              <a:t>softmax</a:t>
+            </a:r>
+            <a:r>
+              <a:rPr lang="zh-CN" altLang="en-US" dirty="0"/>
+              <a:t>）的</a:t>
+            </a:r>
+            <a:r>
+              <a:rPr lang="zh-CN" altLang="en-US" dirty="0" smtClean="0"/>
+              <a:t>特性</a:t>
+            </a:r>
+            <a:endParaRPr lang="zh-CN" altLang="en-US" dirty="0"/>
+          </a:p>
+          <a:p>
+            <a:r>
+              <a:rPr lang="zh-CN" altLang="en-US" dirty="0"/>
+              <a:t>恢复神经网络的权重，反向恢复神经元和层的</a:t>
+            </a:r>
+            <a:r>
+              <a:rPr lang="zh-CN" altLang="en-US" dirty="0" smtClean="0"/>
+              <a:t>数量</a:t>
+            </a:r>
+            <a:endParaRPr lang="zh-CN" altLang="en-US" dirty="0"/>
+          </a:p>
+        </p:txBody>
+      </p:sp>
+      <p:sp>
+        <p:nvSpPr>
+          <p:cNvPr id="3" name="标题 2"/>
+          <p:cNvSpPr>
+            <a:spLocks noGrp="1"/>
+          </p:cNvSpPr>
+          <p:nvPr>
+            <p:ph type="title"/>
+          </p:nvPr>
+        </p:nvSpPr>
+        <p:spPr/>
+        <p:txBody>
+          <a:bodyPr/>
+          <a:lstStyle/>
+          <a:p>
+            <a:r>
+              <a:rPr lang="zh-CN" altLang="en-US" dirty="0"/>
+              <a:t>逆向分析</a:t>
+            </a:r>
+            <a:r>
+              <a:rPr lang="en-US" altLang="zh-CN" dirty="0"/>
+              <a:t/>
+            </a:r>
+            <a:br>
+              <a:rPr lang="en-US" altLang="zh-CN" dirty="0"/>
+            </a:br>
+            <a:endParaRPr lang="zh-CN" altLang="en-US" dirty="0"/>
+          </a:p>
+        </p:txBody>
+      </p:sp>
+      <p:pic>
+        <p:nvPicPr>
+          <p:cNvPr id="4" name="图片 3"/>
+          <p:cNvPicPr>
+            <a:picLocks noChangeAspect="1"/>
+          </p:cNvPicPr>
+          <p:nvPr/>
+        </p:nvPicPr>
+        <p:blipFill>
+          <a:blip r:embed="rId2"/>
+          <a:stretch>
+            <a:fillRect/>
+          </a:stretch>
+        </p:blipFill>
+        <p:spPr>
+          <a:xfrm>
+            <a:off x="400051" y="4330395"/>
+            <a:ext cx="5631099" cy="2371962"/>
+          </a:xfrm>
+          <a:prstGeom prst="rect">
+            <a:avLst/>
+          </a:prstGeom>
+        </p:spPr>
+      </p:pic>
+      <p:pic>
+        <p:nvPicPr>
+          <p:cNvPr id="5" name="图片 4"/>
+          <p:cNvPicPr>
+            <a:picLocks noChangeAspect="1"/>
+          </p:cNvPicPr>
+          <p:nvPr/>
+        </p:nvPicPr>
+        <p:blipFill>
+          <a:blip r:embed="rId3"/>
+          <a:stretch>
+            <a:fillRect/>
+          </a:stretch>
+        </p:blipFill>
+        <p:spPr>
+          <a:xfrm>
+            <a:off x="6198026" y="4178823"/>
+            <a:ext cx="3412901" cy="2675106"/>
+          </a:xfrm>
+          <a:prstGeom prst="rect">
+            <a:avLst/>
+          </a:prstGeom>
+        </p:spPr>
+      </p:pic>
+    </p:spTree>
+    <p:extLst>
+      <p:ext uri="{BB962C8B-B14F-4D97-AF65-F5344CB8AC3E}">
+        <p14:creationId xmlns:p14="http://schemas.microsoft.com/office/powerpoint/2010/main" val="1011349977"/>
+      </p:ext>
+    </p:extLst>
+  </p:cSld>
+  <p:clrMapOvr>
+    <a:masterClrMapping/>
+  </p:clrMapOvr>
+</p:sld>
+</file>
+
+<file path=ppt/slides/slide14.xml><?xml version="1.0" encoding="utf-8"?>
+<p:sld xmlns:a="http://schemas.openxmlformats.org/drawingml/2006/main" xmlns:r="http://schemas.openxmlformats.org/officeDocument/2006/relationships" xmlns:p="http://schemas.openxmlformats.org/presentationml/2006/main">
+  <p:cSld>
+    <p:spTree>
+      <p:nvGrpSpPr>
+        <p:cNvPr id="1" name=""/>
+        <p:cNvGrpSpPr/>
+        <p:nvPr/>
+      </p:nvGrpSpPr>
+      <p:grpSpPr>
+        <a:xfrm>
+          <a:off x="0" y="0"/>
+          <a:ext cx="0" cy="0"/>
+          <a:chOff x="0" y="0"/>
+          <a:chExt cx="0" cy="0"/>
+        </a:xfrm>
+      </p:grpSpPr>
+      <p:sp>
+        <p:nvSpPr>
+          <p:cNvPr id="2" name="内容占位符 1"/>
+          <p:cNvSpPr>
+            <a:spLocks noGrp="1"/>
+          </p:cNvSpPr>
+          <p:nvPr>
+            <p:ph sz="quarter" idx="10"/>
+          </p:nvPr>
+        </p:nvSpPr>
+        <p:spPr/>
+        <p:txBody>
+          <a:bodyPr/>
+          <a:lstStyle/>
+          <a:p>
+            <a:endParaRPr lang="zh-CN" altLang="en-US"/>
+          </a:p>
+        </p:txBody>
+      </p:sp>
+      <p:sp>
+        <p:nvSpPr>
+          <p:cNvPr id="3" name="标题 2"/>
+          <p:cNvSpPr>
+            <a:spLocks noGrp="1"/>
+          </p:cNvSpPr>
+          <p:nvPr>
+            <p:ph type="title"/>
+          </p:nvPr>
+        </p:nvSpPr>
+        <p:spPr/>
+        <p:txBody>
+          <a:bodyPr/>
+          <a:lstStyle/>
+          <a:p>
+            <a:r>
+              <a:rPr lang="zh-CN" altLang="en-US" dirty="0" smtClean="0"/>
+              <a:t>实现平台</a:t>
+            </a:r>
+            <a:endParaRPr lang="zh-CN" altLang="en-US" dirty="0"/>
+          </a:p>
+        </p:txBody>
+      </p:sp>
+      <p:pic>
+        <p:nvPicPr>
+          <p:cNvPr id="5" name="图片 4"/>
+          <p:cNvPicPr>
+            <a:picLocks noChangeAspect="1"/>
+          </p:cNvPicPr>
+          <p:nvPr/>
+        </p:nvPicPr>
+        <p:blipFill>
+          <a:blip r:embed="rId2"/>
+          <a:stretch>
+            <a:fillRect/>
+          </a:stretch>
+        </p:blipFill>
+        <p:spPr>
+          <a:xfrm>
+            <a:off x="4739784" y="116732"/>
+            <a:ext cx="5303116" cy="6545513"/>
+          </a:xfrm>
+          <a:prstGeom prst="rect">
+            <a:avLst/>
+          </a:prstGeom>
+        </p:spPr>
+      </p:pic>
+    </p:spTree>
+    <p:extLst>
+      <p:ext uri="{BB962C8B-B14F-4D97-AF65-F5344CB8AC3E}">
+        <p14:creationId xmlns:p14="http://schemas.microsoft.com/office/powerpoint/2010/main" val="559482976"/>
+      </p:ext>
+    </p:extLst>
+  </p:cSld>
+  <p:clrMapOvr>
+    <a:masterClrMapping/>
+  </p:clrMapOvr>
+</p:sld>
+</file>
+
+<file path=ppt/slides/slide15.xml><?xml version="1.0" encoding="utf-8"?>
+<p:sld xmlns:a="http://schemas.openxmlformats.org/drawingml/2006/main" xmlns:r="http://schemas.openxmlformats.org/officeDocument/2006/relationships" xmlns:p="http://schemas.openxmlformats.org/presentationml/2006/main">
+  <p:cSld>
+    <p:spTree>
+      <p:nvGrpSpPr>
+        <p:cNvPr id="1" name=""/>
+        <p:cNvGrpSpPr/>
+        <p:nvPr/>
+      </p:nvGrpSpPr>
+      <p:grpSpPr>
+        <a:xfrm>
+          <a:off x="0" y="0"/>
+          <a:ext cx="0" cy="0"/>
+          <a:chOff x="0" y="0"/>
+          <a:chExt cx="0" cy="0"/>
+        </a:xfrm>
+      </p:grpSpPr>
+      <p:sp>
+        <p:nvSpPr>
+          <p:cNvPr id="2" name="内容占位符 1"/>
+          <p:cNvSpPr>
+            <a:spLocks noGrp="1"/>
+          </p:cNvSpPr>
+          <p:nvPr>
+            <p:ph sz="quarter" idx="10"/>
+          </p:nvPr>
+        </p:nvSpPr>
+        <p:spPr/>
+        <p:txBody>
+          <a:bodyPr/>
+          <a:lstStyle/>
+          <a:p>
+            <a:r>
+              <a:rPr lang="en-US" altLang="zh-CN" dirty="0" err="1"/>
+              <a:t>Weizhe</a:t>
+            </a:r>
+            <a:r>
+              <a:rPr lang="en-US" altLang="zh-CN" dirty="0"/>
+              <a:t> Hua</a:t>
+            </a:r>
+            <a:r>
+              <a:rPr lang="zh-CN" altLang="en-US" dirty="0"/>
+              <a:t>等</a:t>
+            </a:r>
+            <a:r>
+              <a:rPr lang="zh-CN" altLang="en-US" dirty="0" smtClean="0"/>
+              <a:t>人提出对</a:t>
+            </a:r>
+            <a:r>
+              <a:rPr lang="zh-CN" altLang="en-US" dirty="0"/>
+              <a:t>硬件加速器上实现的</a:t>
+            </a:r>
+            <a:r>
+              <a:rPr lang="en-US" altLang="zh-CN" dirty="0"/>
+              <a:t>CNN</a:t>
+            </a:r>
+            <a:r>
+              <a:rPr lang="zh-CN" altLang="en-US" dirty="0"/>
+              <a:t>网络的逆向工程</a:t>
+            </a:r>
+            <a:r>
+              <a:rPr lang="zh-CN" altLang="en-US" dirty="0" smtClean="0"/>
+              <a:t>。</a:t>
+            </a:r>
+            <a:endParaRPr lang="en-US" altLang="zh-CN" dirty="0" smtClean="0"/>
+          </a:p>
+          <a:p>
+            <a:r>
+              <a:rPr lang="zh-CN" altLang="en-US" dirty="0" smtClean="0"/>
+              <a:t>向</a:t>
+            </a:r>
+            <a:r>
+              <a:rPr lang="zh-CN" altLang="en-US" dirty="0"/>
+              <a:t>该</a:t>
+            </a:r>
+            <a:r>
+              <a:rPr lang="en-US" altLang="zh-CN" dirty="0"/>
+              <a:t>CNN </a:t>
+            </a:r>
+            <a:r>
+              <a:rPr lang="zh-CN" altLang="en-US" dirty="0"/>
+              <a:t>网络提供输入并观察片外存储器的访问</a:t>
+            </a:r>
+            <a:r>
+              <a:rPr lang="zh-CN" altLang="en-US" dirty="0" smtClean="0"/>
+              <a:t>记录</a:t>
+            </a:r>
+            <a:endParaRPr lang="en-US" altLang="zh-CN" dirty="0" smtClean="0"/>
+          </a:p>
+          <a:p>
+            <a:r>
+              <a:rPr lang="zh-CN" altLang="en-US" dirty="0" smtClean="0"/>
+              <a:t>结合</a:t>
+            </a:r>
+            <a:r>
+              <a:rPr lang="zh-CN" altLang="en-US" dirty="0"/>
+              <a:t>时序和存储器</a:t>
+            </a:r>
+            <a:r>
+              <a:rPr lang="zh-CN" altLang="en-US" dirty="0" smtClean="0"/>
+              <a:t>访问</a:t>
+            </a:r>
+            <a:r>
+              <a:rPr lang="zh-CN" altLang="en-US" dirty="0"/>
+              <a:t>记录以及存储器中的数据所提供的相关旁路信息推断神经网络的</a:t>
+            </a:r>
+            <a:r>
+              <a:rPr lang="zh-CN" altLang="en-US" dirty="0" smtClean="0"/>
+              <a:t>结构</a:t>
+            </a:r>
+            <a:endParaRPr lang="en-US" altLang="zh-CN" dirty="0" smtClean="0"/>
+          </a:p>
+          <a:p>
+            <a:r>
+              <a:rPr lang="zh-CN" altLang="en-US" dirty="0" smtClean="0"/>
+              <a:t>进一步恢复</a:t>
+            </a:r>
+            <a:r>
+              <a:rPr lang="zh-CN" altLang="en-US" dirty="0"/>
+              <a:t>对应的权重等参数。</a:t>
+            </a:r>
+          </a:p>
+        </p:txBody>
+      </p:sp>
+      <p:sp>
+        <p:nvSpPr>
+          <p:cNvPr id="3" name="标题 2"/>
+          <p:cNvSpPr>
+            <a:spLocks noGrp="1"/>
+          </p:cNvSpPr>
+          <p:nvPr>
+            <p:ph type="title"/>
+          </p:nvPr>
+        </p:nvSpPr>
+        <p:spPr/>
+        <p:txBody>
+          <a:bodyPr/>
+          <a:lstStyle/>
+          <a:p>
+            <a:endParaRPr lang="zh-CN" altLang="en-US"/>
+          </a:p>
+        </p:txBody>
+      </p:sp>
+    </p:spTree>
+    <p:extLst>
+      <p:ext uri="{BB962C8B-B14F-4D97-AF65-F5344CB8AC3E}">
+        <p14:creationId xmlns:p14="http://schemas.microsoft.com/office/powerpoint/2010/main" val="3850986952"/>
+      </p:ext>
+    </p:extLst>
+  </p:cSld>
+  <p:clrMapOvr>
+    <a:masterClrMapping/>
+  </p:clrMapOvr>
+</p:sld>
+</file>
+
+<file path=ppt/slides/slide16.xml><?xml version="1.0" encoding="utf-8"?>
+<p:sld xmlns:a="http://schemas.openxmlformats.org/drawingml/2006/main" xmlns:r="http://schemas.openxmlformats.org/officeDocument/2006/relationships" xmlns:p="http://schemas.openxmlformats.org/presentationml/2006/main">
+  <p:cSld>
+    <p:spTree>
+      <p:nvGrpSpPr>
+        <p:cNvPr id="1" name=""/>
+        <p:cNvGrpSpPr/>
+        <p:nvPr/>
+      </p:nvGrpSpPr>
+      <p:grpSpPr>
+        <a:xfrm>
+          <a:off x="0" y="0"/>
+          <a:ext cx="0" cy="0"/>
+          <a:chOff x="0" y="0"/>
+          <a:chExt cx="0" cy="0"/>
+        </a:xfrm>
+      </p:grpSpPr>
+      <p:sp>
+        <p:nvSpPr>
+          <p:cNvPr id="2" name="内容占位符 1"/>
+          <p:cNvSpPr>
+            <a:spLocks noGrp="1"/>
+          </p:cNvSpPr>
+          <p:nvPr>
+            <p:ph sz="quarter" idx="10"/>
+          </p:nvPr>
+        </p:nvSpPr>
+        <p:spPr/>
+        <p:txBody>
+          <a:bodyPr/>
+          <a:lstStyle/>
+          <a:p>
+            <a:r>
+              <a:rPr lang="en-US" altLang="zh-CN" dirty="0"/>
+              <a:t>SCA </a:t>
+            </a:r>
+            <a:r>
+              <a:rPr lang="zh-CN" altLang="en-US" dirty="0"/>
+              <a:t>中众所周知的保护方案（如混洗，掩码或恒定时间实现），这些保护方案</a:t>
+            </a:r>
+            <a:r>
+              <a:rPr lang="zh-CN" altLang="en-US" dirty="0" smtClean="0"/>
+              <a:t>能够</a:t>
+            </a:r>
+            <a:r>
+              <a:rPr lang="zh-CN" altLang="en-US" dirty="0"/>
+              <a:t>为嵌入式深度学习系统的实现提供一定的安全指导。</a:t>
+            </a:r>
+          </a:p>
+        </p:txBody>
+      </p:sp>
+      <p:sp>
+        <p:nvSpPr>
+          <p:cNvPr id="3" name="标题 2"/>
+          <p:cNvSpPr>
+            <a:spLocks noGrp="1"/>
+          </p:cNvSpPr>
+          <p:nvPr>
+            <p:ph type="title"/>
+          </p:nvPr>
+        </p:nvSpPr>
+        <p:spPr/>
+        <p:txBody>
+          <a:bodyPr/>
+          <a:lstStyle/>
+          <a:p>
+            <a:r>
+              <a:rPr lang="zh-CN" altLang="en-US" dirty="0"/>
+              <a:t>防御手段</a:t>
+            </a:r>
+            <a:r>
+              <a:rPr lang="en-US" altLang="zh-CN" dirty="0"/>
+              <a:t/>
+            </a:r>
+            <a:br>
+              <a:rPr lang="en-US" altLang="zh-CN" dirty="0"/>
+            </a:br>
+            <a:endParaRPr lang="zh-CN" altLang="en-US" dirty="0"/>
+          </a:p>
+        </p:txBody>
+      </p:sp>
+      <p:pic>
+        <p:nvPicPr>
+          <p:cNvPr id="4" name="Picture 7">
+            <a:extLst>
+              <a:ext uri="{FF2B5EF4-FFF2-40B4-BE49-F238E27FC236}">
+                <a16:creationId xmlns:a16="http://schemas.microsoft.com/office/drawing/2014/main" id="{D94CE667-2F1E-4ADF-96E1-2E2A89764346}"/>
+              </a:ext>
+            </a:extLst>
+          </p:cNvPr>
+          <p:cNvPicPr>
+            <a:picLocks noChangeAspect="1"/>
+          </p:cNvPicPr>
+          <p:nvPr/>
+        </p:nvPicPr>
+        <p:blipFill>
+          <a:blip r:embed="rId2"/>
+          <a:stretch>
+            <a:fillRect/>
+          </a:stretch>
+        </p:blipFill>
+        <p:spPr>
+          <a:xfrm>
+            <a:off x="5685771" y="3249921"/>
+            <a:ext cx="3574961" cy="3442708"/>
+          </a:xfrm>
+          <a:prstGeom prst="rect">
+            <a:avLst/>
+          </a:prstGeom>
+        </p:spPr>
+      </p:pic>
+      <p:pic>
+        <p:nvPicPr>
+          <p:cNvPr id="6" name="图片 5"/>
+          <p:cNvPicPr>
+            <a:picLocks noChangeAspect="1"/>
+          </p:cNvPicPr>
+          <p:nvPr/>
+        </p:nvPicPr>
+        <p:blipFill>
+          <a:blip r:embed="rId3"/>
+          <a:stretch>
+            <a:fillRect/>
+          </a:stretch>
+        </p:blipFill>
+        <p:spPr>
+          <a:xfrm>
+            <a:off x="1665255" y="3613059"/>
+            <a:ext cx="3102713" cy="799200"/>
+          </a:xfrm>
+          <a:prstGeom prst="rect">
+            <a:avLst/>
+          </a:prstGeom>
+        </p:spPr>
+      </p:pic>
+    </p:spTree>
+    <p:extLst>
+      <p:ext uri="{BB962C8B-B14F-4D97-AF65-F5344CB8AC3E}">
+        <p14:creationId xmlns:p14="http://schemas.microsoft.com/office/powerpoint/2010/main" val="1709605992"/>
+      </p:ext>
+    </p:extLst>
+  </p:cSld>
+  <p:clrMapOvr>
+    <a:masterClrMapping/>
+  </p:clrMapOvr>
+</p:sld>
+</file>
+
+<file path=ppt/slides/slide17.xml><?xml version="1.0" encoding="utf-8"?>
+<p:sld xmlns:a="http://schemas.openxmlformats.org/drawingml/2006/main" xmlns:r="http://schemas.openxmlformats.org/officeDocument/2006/relationships" xmlns:p="http://schemas.openxmlformats.org/presentationml/2006/main">
+  <p:cSld>
+    <p:spTree>
+      <p:nvGrpSpPr>
+        <p:cNvPr id="1" name=""/>
+        <p:cNvGrpSpPr/>
+        <p:nvPr/>
+      </p:nvGrpSpPr>
+      <p:grpSpPr>
+        <a:xfrm>
+          <a:off x="0" y="0"/>
+          <a:ext cx="0" cy="0"/>
+          <a:chOff x="0" y="0"/>
+          <a:chExt cx="0" cy="0"/>
+        </a:xfrm>
+      </p:grpSpPr>
+      <p:sp>
+        <p:nvSpPr>
+          <p:cNvPr id="2" name="内容占位符 1"/>
+          <p:cNvSpPr>
+            <a:spLocks noGrp="1"/>
+          </p:cNvSpPr>
+          <p:nvPr>
+            <p:ph sz="quarter" idx="10"/>
+          </p:nvPr>
+        </p:nvSpPr>
+        <p:spPr/>
+        <p:txBody>
+          <a:bodyPr/>
+          <a:lstStyle/>
+          <a:p>
+            <a:pPr>
+              <a:lnSpc>
+                <a:spcPct val="150000"/>
+              </a:lnSpc>
+            </a:pPr>
+            <a:r>
+              <a:rPr lang="zh-CN" altLang="en-US" dirty="0" smtClean="0"/>
+              <a:t>常数执行时间</a:t>
+            </a:r>
+            <a:endParaRPr lang="en-US" altLang="zh-CN" dirty="0" smtClean="0"/>
+          </a:p>
+          <a:p>
+            <a:pPr>
+              <a:lnSpc>
+                <a:spcPct val="150000"/>
+              </a:lnSpc>
+            </a:pPr>
+            <a:r>
+              <a:rPr lang="zh-CN" altLang="en-US" dirty="0" smtClean="0"/>
+              <a:t>随机延迟时间</a:t>
+            </a:r>
+            <a:endParaRPr lang="en-US" altLang="zh-CN" dirty="0" smtClean="0"/>
+          </a:p>
+          <a:p>
+            <a:pPr>
+              <a:lnSpc>
+                <a:spcPct val="150000"/>
+              </a:lnSpc>
+            </a:pPr>
+            <a:r>
+              <a:rPr lang="zh-CN" altLang="en-US" dirty="0" smtClean="0"/>
+              <a:t>生成随机噪声</a:t>
+            </a:r>
+            <a:endParaRPr lang="en-US" altLang="zh-CN" dirty="0" smtClean="0"/>
+          </a:p>
+          <a:p>
+            <a:pPr>
+              <a:lnSpc>
+                <a:spcPct val="150000"/>
+              </a:lnSpc>
+            </a:pPr>
+            <a:r>
+              <a:rPr lang="zh-CN" altLang="en-US" dirty="0" smtClean="0"/>
+              <a:t>算法与硬件层面掩码</a:t>
+            </a:r>
+            <a:endParaRPr lang="zh-CN" altLang="en-US" dirty="0"/>
+          </a:p>
+        </p:txBody>
+      </p:sp>
+      <p:sp>
+        <p:nvSpPr>
+          <p:cNvPr id="3" name="标题 2"/>
+          <p:cNvSpPr>
+            <a:spLocks noGrp="1"/>
+          </p:cNvSpPr>
+          <p:nvPr>
+            <p:ph type="title"/>
+          </p:nvPr>
+        </p:nvSpPr>
+        <p:spPr/>
+        <p:txBody>
+          <a:bodyPr/>
+          <a:lstStyle/>
+          <a:p>
+            <a:r>
+              <a:rPr lang="zh-CN" altLang="en-US" dirty="0"/>
+              <a:t>防御手段</a:t>
+            </a:r>
+          </a:p>
+        </p:txBody>
+      </p:sp>
+    </p:spTree>
+    <p:extLst>
+      <p:ext uri="{BB962C8B-B14F-4D97-AF65-F5344CB8AC3E}">
+        <p14:creationId xmlns:p14="http://schemas.microsoft.com/office/powerpoint/2010/main" val="2759117425"/>
+      </p:ext>
+    </p:extLst>
+  </p:cSld>
+  <p:clrMapOvr>
+    <a:masterClrMapping/>
+  </p:clrMapOvr>
+</p:sld>
+</file>
+
+<file path=ppt/slides/slide18.xml><?xml version="1.0" encoding="utf-8"?>
+<p:sld xmlns:a="http://schemas.openxmlformats.org/drawingml/2006/main" xmlns:r="http://schemas.openxmlformats.org/officeDocument/2006/relationships" xmlns:p="http://schemas.openxmlformats.org/presentationml/2006/main">
+  <p:cSld>
+    <p:spTree>
+      <p:nvGrpSpPr>
+        <p:cNvPr id="1" name=""/>
+        <p:cNvGrpSpPr/>
+        <p:nvPr/>
+      </p:nvGrpSpPr>
+      <p:grpSpPr>
+        <a:xfrm>
+          <a:off x="0" y="0"/>
+          <a:ext cx="0" cy="0"/>
+          <a:chOff x="0" y="0"/>
+          <a:chExt cx="0" cy="0"/>
+        </a:xfrm>
+      </p:grpSpPr>
+      <p:sp>
+        <p:nvSpPr>
+          <p:cNvPr id="2" name="内容占位符 1"/>
+          <p:cNvSpPr>
+            <a:spLocks noGrp="1"/>
+          </p:cNvSpPr>
+          <p:nvPr>
+            <p:ph sz="quarter" idx="10"/>
+          </p:nvPr>
+        </p:nvSpPr>
+        <p:spPr/>
+        <p:txBody>
+          <a:bodyPr/>
+          <a:lstStyle/>
+          <a:p>
+            <a:r>
+              <a:rPr lang="zh-CN" altLang="en-US" dirty="0" smtClean="0"/>
+              <a:t>算法层面的安全不代表实现安全</a:t>
+            </a:r>
+            <a:endParaRPr lang="en-US" altLang="zh-CN" dirty="0" smtClean="0"/>
+          </a:p>
+          <a:p>
+            <a:r>
+              <a:rPr lang="zh-CN" altLang="en-US" dirty="0" smtClean="0"/>
+              <a:t>目前大部分是将基于密码学的分析手段迁移到深度神经网络部分</a:t>
+            </a:r>
+            <a:endParaRPr lang="en-US" altLang="zh-CN" dirty="0" smtClean="0"/>
+          </a:p>
+          <a:p>
+            <a:r>
+              <a:rPr lang="zh-CN" altLang="en-US" smtClean="0"/>
+              <a:t>基于密码学算法的防御手段同样可以迁移</a:t>
+            </a:r>
+            <a:endParaRPr lang="en-US" altLang="zh-CN" smtClean="0"/>
+          </a:p>
+        </p:txBody>
+      </p:sp>
+      <p:sp>
+        <p:nvSpPr>
+          <p:cNvPr id="3" name="标题 2"/>
+          <p:cNvSpPr>
+            <a:spLocks noGrp="1"/>
+          </p:cNvSpPr>
+          <p:nvPr>
+            <p:ph type="title"/>
+          </p:nvPr>
+        </p:nvSpPr>
+        <p:spPr/>
+        <p:txBody>
+          <a:bodyPr/>
+          <a:lstStyle/>
+          <a:p>
+            <a:r>
+              <a:rPr lang="zh-CN" altLang="en-US" dirty="0" smtClean="0"/>
+              <a:t>总结</a:t>
+            </a:r>
+            <a:endParaRPr lang="zh-CN" altLang="en-US" dirty="0"/>
+          </a:p>
+        </p:txBody>
+      </p:sp>
+    </p:spTree>
+    <p:extLst>
+      <p:ext uri="{BB962C8B-B14F-4D97-AF65-F5344CB8AC3E}">
+        <p14:creationId xmlns:p14="http://schemas.microsoft.com/office/powerpoint/2010/main" val="2028692347"/>
+      </p:ext>
+    </p:extLst>
+  </p:cSld>
+  <p:clrMapOvr>
+    <a:masterClrMapping/>
+  </p:clrMapOvr>
 </p:sld>
 </file>
 
@@ -2546,6 +4195,13 @@
   <p:clrMapOvr>
     <a:masterClrMapping/>
   </p:clrMapOvr>
+  <p:timing>
+    <p:tnLst>
+      <p:par>
+        <p:cTn id="1" dur="indefinite" restart="never" nodeType="tmRoot"/>
+      </p:par>
+    </p:tnLst>
+  </p:timing>
 </p:sld>
 </file>
 
@@ -2679,6 +4335,13 @@
   <p:clrMapOvr>
     <a:masterClrMapping/>
   </p:clrMapOvr>
+  <p:timing>
+    <p:tnLst>
+      <p:par>
+        <p:cTn id="1" dur="indefinite" restart="never" nodeType="tmRoot"/>
+      </p:par>
+    </p:tnLst>
+  </p:timing>
 </p:sld>
 </file>
 
@@ -2793,7 +4456,7 @@
           <p:nvPr/>
         </p:nvPicPr>
         <p:blipFill>
-          <a:blip r:embed="rId2"/>
+          <a:blip r:embed="rId3"/>
           <a:srcRect/>
           <a:stretch>
             <a:fillRect/>
@@ -2817,6 +4480,856 @@
     <p:extLst>
       <p:ext uri="{BB962C8B-B14F-4D97-AF65-F5344CB8AC3E}">
         <p14:creationId xmlns:p14="http://schemas.microsoft.com/office/powerpoint/2010/main" val="2235161102"/>
+      </p:ext>
+    </p:extLst>
+  </p:cSld>
+  <p:clrMapOvr>
+    <a:masterClrMapping/>
+  </p:clrMapOvr>
+</p:sld>
+</file>
+
+<file path=ppt/slides/slide5.xml><?xml version="1.0" encoding="utf-8"?>
+<p:sld xmlns:a="http://schemas.openxmlformats.org/drawingml/2006/main" xmlns:r="http://schemas.openxmlformats.org/officeDocument/2006/relationships" xmlns:p="http://schemas.openxmlformats.org/presentationml/2006/main">
+  <p:cSld>
+    <p:spTree>
+      <p:nvGrpSpPr>
+        <p:cNvPr id="1" name=""/>
+        <p:cNvGrpSpPr/>
+        <p:nvPr/>
+      </p:nvGrpSpPr>
+      <p:grpSpPr>
+        <a:xfrm>
+          <a:off x="0" y="0"/>
+          <a:ext cx="0" cy="0"/>
+          <a:chOff x="0" y="0"/>
+          <a:chExt cx="0" cy="0"/>
+        </a:xfrm>
+      </p:grpSpPr>
+      <p:sp>
+        <p:nvSpPr>
+          <p:cNvPr id="2" name="内容占位符 1"/>
+          <p:cNvSpPr>
+            <a:spLocks noGrp="1"/>
+          </p:cNvSpPr>
+          <p:nvPr>
+            <p:ph sz="quarter" idx="10"/>
+          </p:nvPr>
+        </p:nvSpPr>
+        <p:spPr/>
+        <p:txBody>
+          <a:bodyPr/>
+          <a:lstStyle/>
+          <a:p>
+            <a:endParaRPr lang="zh-CN" altLang="en-US"/>
+          </a:p>
+        </p:txBody>
+      </p:sp>
+      <p:sp>
+        <p:nvSpPr>
+          <p:cNvPr id="3" name="标题 2"/>
+          <p:cNvSpPr>
+            <a:spLocks noGrp="1"/>
+          </p:cNvSpPr>
+          <p:nvPr>
+            <p:ph type="title"/>
+          </p:nvPr>
+        </p:nvSpPr>
+        <p:spPr/>
+        <p:txBody>
+          <a:bodyPr/>
+          <a:lstStyle/>
+          <a:p>
+            <a:endParaRPr lang="zh-CN" altLang="en-US"/>
+          </a:p>
+        </p:txBody>
+      </p:sp>
+      <p:pic>
+        <p:nvPicPr>
+          <p:cNvPr id="4" name="图片 3"/>
+          <p:cNvPicPr>
+            <a:picLocks noChangeAspect="1"/>
+          </p:cNvPicPr>
+          <p:nvPr/>
+        </p:nvPicPr>
+        <p:blipFill>
+          <a:blip r:embed="rId2"/>
+          <a:stretch>
+            <a:fillRect/>
+          </a:stretch>
+        </p:blipFill>
+        <p:spPr>
+          <a:xfrm>
+            <a:off x="1994548" y="2317438"/>
+            <a:ext cx="6960632" cy="3188418"/>
+          </a:xfrm>
+          <a:prstGeom prst="rect">
+            <a:avLst/>
+          </a:prstGeom>
+        </p:spPr>
+      </p:pic>
+    </p:spTree>
+    <p:extLst>
+      <p:ext uri="{BB962C8B-B14F-4D97-AF65-F5344CB8AC3E}">
+        <p14:creationId xmlns:p14="http://schemas.microsoft.com/office/powerpoint/2010/main" val="3024997185"/>
+      </p:ext>
+    </p:extLst>
+  </p:cSld>
+  <p:clrMapOvr>
+    <a:masterClrMapping/>
+  </p:clrMapOvr>
+</p:sld>
+</file>
+
+<file path=ppt/slides/slide6.xml><?xml version="1.0" encoding="utf-8"?>
+<p:sld xmlns:a="http://schemas.openxmlformats.org/drawingml/2006/main" xmlns:r="http://schemas.openxmlformats.org/officeDocument/2006/relationships" xmlns:p="http://schemas.openxmlformats.org/presentationml/2006/main">
+  <p:cSld>
+    <p:spTree>
+      <p:nvGrpSpPr>
+        <p:cNvPr id="1" name=""/>
+        <p:cNvGrpSpPr/>
+        <p:nvPr/>
+      </p:nvGrpSpPr>
+      <p:grpSpPr>
+        <a:xfrm>
+          <a:off x="0" y="0"/>
+          <a:ext cx="0" cy="0"/>
+          <a:chOff x="0" y="0"/>
+          <a:chExt cx="0" cy="0"/>
+        </a:xfrm>
+      </p:grpSpPr>
+      <p:sp>
+        <p:nvSpPr>
+          <p:cNvPr id="2" name="内容占位符 1"/>
+          <p:cNvSpPr>
+            <a:spLocks noGrp="1"/>
+          </p:cNvSpPr>
+          <p:nvPr>
+            <p:ph sz="quarter" idx="10"/>
+          </p:nvPr>
+        </p:nvSpPr>
+        <p:spPr/>
+        <p:txBody>
+          <a:bodyPr/>
+          <a:lstStyle/>
+          <a:p>
+            <a:endParaRPr lang="zh-CN" altLang="en-US" dirty="0"/>
+          </a:p>
+        </p:txBody>
+      </p:sp>
+      <p:sp>
+        <p:nvSpPr>
+          <p:cNvPr id="3" name="标题 2"/>
+          <p:cNvSpPr>
+            <a:spLocks noGrp="1"/>
+          </p:cNvSpPr>
+          <p:nvPr>
+            <p:ph type="title"/>
+          </p:nvPr>
+        </p:nvSpPr>
+        <p:spPr/>
+        <p:txBody>
+          <a:bodyPr/>
+          <a:lstStyle/>
+          <a:p>
+            <a:r>
+              <a:rPr lang="zh-CN" altLang="en-US" dirty="0" smtClean="0"/>
+              <a:t>分析图示</a:t>
+            </a:r>
+            <a:endParaRPr lang="zh-CN" altLang="en-US" dirty="0"/>
+          </a:p>
+        </p:txBody>
+      </p:sp>
+      <p:pic>
+        <p:nvPicPr>
+          <p:cNvPr id="4" name="Picture 19">
+            <a:extLst>
+              <a:ext uri="{FF2B5EF4-FFF2-40B4-BE49-F238E27FC236}">
+                <a16:creationId xmlns:a16="http://schemas.microsoft.com/office/drawing/2014/main" id="{1E3D8545-B096-4311-975C-0E5FEBBA3544}"/>
+              </a:ext>
+            </a:extLst>
+          </p:cNvPr>
+          <p:cNvPicPr>
+            <a:picLocks noChangeAspect="1"/>
+          </p:cNvPicPr>
+          <p:nvPr/>
+        </p:nvPicPr>
+        <p:blipFill>
+          <a:blip r:embed="rId4"/>
+          <a:stretch>
+            <a:fillRect/>
+          </a:stretch>
+        </p:blipFill>
+        <p:spPr>
+          <a:xfrm>
+            <a:off x="5768358" y="2634085"/>
+            <a:ext cx="5010863" cy="3758147"/>
+          </a:xfrm>
+          <a:prstGeom prst="rect">
+            <a:avLst/>
+          </a:prstGeom>
+        </p:spPr>
+      </p:pic>
+      <p:pic>
+        <p:nvPicPr>
+          <p:cNvPr id="5" name="图片 3">
+            <a:extLst>
+              <a:ext uri="{FF2B5EF4-FFF2-40B4-BE49-F238E27FC236}">
+                <a16:creationId xmlns:a16="http://schemas.microsoft.com/office/drawing/2014/main" id="{DA7CFA10-C7D3-4339-93B2-A1EDEC18CDE1}"/>
+              </a:ext>
+            </a:extLst>
+          </p:cNvPr>
+          <p:cNvPicPr/>
+          <p:nvPr/>
+        </p:nvPicPr>
+        <p:blipFill rotWithShape="1">
+          <a:blip r:embed="rId5"/>
+          <a:srcRect l="3607" t="12664" r="2340" b="28261"/>
+          <a:stretch/>
+        </p:blipFill>
+        <p:spPr>
+          <a:xfrm>
+            <a:off x="1000835" y="4134186"/>
+            <a:ext cx="3319273" cy="1190148"/>
+          </a:xfrm>
+          <a:prstGeom prst="rect">
+            <a:avLst/>
+          </a:prstGeom>
+          <a:ln>
+            <a:solidFill>
+              <a:schemeClr val="tx1"/>
+            </a:solidFill>
+          </a:ln>
+        </p:spPr>
+      </p:pic>
+      <p:pic>
+        <p:nvPicPr>
+          <p:cNvPr id="6" name="图片 3">
+            <a:extLst>
+              <a:ext uri="{FF2B5EF4-FFF2-40B4-BE49-F238E27FC236}">
+                <a16:creationId xmlns:a16="http://schemas.microsoft.com/office/drawing/2014/main" id="{7141791C-33AD-4F19-AB6B-DD33BAA926B7}"/>
+              </a:ext>
+            </a:extLst>
+          </p:cNvPr>
+          <p:cNvPicPr/>
+          <p:nvPr/>
+        </p:nvPicPr>
+        <p:blipFill rotWithShape="1">
+          <a:blip r:embed="rId5"/>
+          <a:srcRect l="3607" t="12664" r="2340" b="28261"/>
+          <a:stretch/>
+        </p:blipFill>
+        <p:spPr>
+          <a:xfrm>
+            <a:off x="1107405" y="4262958"/>
+            <a:ext cx="3319273" cy="1190148"/>
+          </a:xfrm>
+          <a:prstGeom prst="rect">
+            <a:avLst/>
+          </a:prstGeom>
+          <a:ln>
+            <a:solidFill>
+              <a:schemeClr val="tx1"/>
+            </a:solidFill>
+          </a:ln>
+        </p:spPr>
+      </p:pic>
+      <p:pic>
+        <p:nvPicPr>
+          <p:cNvPr id="7" name="图片 3">
+            <a:extLst>
+              <a:ext uri="{FF2B5EF4-FFF2-40B4-BE49-F238E27FC236}">
+                <a16:creationId xmlns:a16="http://schemas.microsoft.com/office/drawing/2014/main" id="{B3B957C3-07CD-40B1-ACE2-A60E3E415E38}"/>
+              </a:ext>
+            </a:extLst>
+          </p:cNvPr>
+          <p:cNvPicPr/>
+          <p:nvPr/>
+        </p:nvPicPr>
+        <p:blipFill rotWithShape="1">
+          <a:blip r:embed="rId5"/>
+          <a:srcRect l="3607" t="12664" r="2340" b="28261"/>
+          <a:stretch/>
+        </p:blipFill>
+        <p:spPr>
+          <a:xfrm>
+            <a:off x="1256114" y="4391729"/>
+            <a:ext cx="3319273" cy="1190148"/>
+          </a:xfrm>
+          <a:prstGeom prst="rect">
+            <a:avLst/>
+          </a:prstGeom>
+          <a:ln>
+            <a:solidFill>
+              <a:schemeClr val="tx1"/>
+            </a:solidFill>
+          </a:ln>
+        </p:spPr>
+      </p:pic>
+      <p:sp>
+        <p:nvSpPr>
+          <p:cNvPr id="8" name="Arrow: Right 38">
+            <a:extLst>
+              <a:ext uri="{FF2B5EF4-FFF2-40B4-BE49-F238E27FC236}">
+                <a16:creationId xmlns:a16="http://schemas.microsoft.com/office/drawing/2014/main" id="{2DE49F44-8AB3-4A36-8058-CE2C2202FDDC}"/>
+              </a:ext>
+            </a:extLst>
+          </p:cNvPr>
+          <p:cNvSpPr/>
+          <p:nvPr/>
+        </p:nvSpPr>
+        <p:spPr>
+          <a:xfrm>
+            <a:off x="4646440" y="4426282"/>
+            <a:ext cx="1205955" cy="566335"/>
+          </a:xfrm>
+          <a:prstGeom prst="rightArrow">
+            <a:avLst/>
+          </a:prstGeom>
+        </p:spPr>
+        <p:style>
+          <a:lnRef idx="2">
+            <a:schemeClr val="accent1">
+              <a:shade val="50000"/>
+            </a:schemeClr>
+          </a:lnRef>
+          <a:fillRef idx="1">
+            <a:schemeClr val="accent1"/>
+          </a:fillRef>
+          <a:effectRef idx="0">
+            <a:schemeClr val="accent1"/>
+          </a:effectRef>
+          <a:fontRef idx="minor">
+            <a:schemeClr val="lt1"/>
+          </a:fontRef>
+        </p:style>
+        <p:txBody>
+          <a:bodyPr rtlCol="0" anchor="ctr"/>
+          <a:lstStyle/>
+          <a:p>
+            <a:pPr algn="ctr"/>
+            <a:r>
+              <a:rPr lang="en-US" dirty="0"/>
+              <a:t>CPA</a:t>
+            </a:r>
+          </a:p>
+        </p:txBody>
+      </p:sp>
+      <p:graphicFrame>
+        <p:nvGraphicFramePr>
+          <p:cNvPr id="9" name="Object 9">
+            <a:extLst>
+              <a:ext uri="{FF2B5EF4-FFF2-40B4-BE49-F238E27FC236}">
+                <a16:creationId xmlns:a16="http://schemas.microsoft.com/office/drawing/2014/main" id="{ADA0C567-7E4A-4A6F-8B95-E9B5F5071629}"/>
+              </a:ext>
+            </a:extLst>
+          </p:cNvPr>
+          <p:cNvGraphicFramePr>
+            <a:graphicFrameLocks noChangeAspect="1"/>
+          </p:cNvGraphicFramePr>
+          <p:nvPr>
+            <p:extLst>
+              <p:ext uri="{D42A27DB-BD31-4B8C-83A1-F6EECF244321}">
+                <p14:modId xmlns:p14="http://schemas.microsoft.com/office/powerpoint/2010/main" val="2826991359"/>
+              </p:ext>
+            </p:extLst>
+          </p:nvPr>
+        </p:nvGraphicFramePr>
+        <p:xfrm>
+          <a:off x="648282" y="3110968"/>
+          <a:ext cx="4024378" cy="899861"/>
+        </p:xfrm>
+        <a:graphic>
+          <a:graphicData uri="http://schemas.openxmlformats.org/presentationml/2006/ole">
+            <mc:AlternateContent xmlns:mc="http://schemas.openxmlformats.org/markup-compatibility/2006">
+              <mc:Choice xmlns:v="urn:schemas-microsoft-com:vml" Requires="v">
+                <p:oleObj spid="_x0000_s1039" name="Equation" r:id="rId6" imgW="2044440" imgH="457200" progId="Equation.DSMT4">
+                  <p:embed/>
+                </p:oleObj>
+              </mc:Choice>
+              <mc:Fallback>
+                <p:oleObj name="Equation" r:id="rId6" imgW="2044440" imgH="457200" progId="Equation.DSMT4">
+                  <p:embed/>
+                  <p:pic>
+                    <p:nvPicPr>
+                      <p:cNvPr id="10" name="Object 9">
+                        <a:extLst>
+                          <a:ext uri="{FF2B5EF4-FFF2-40B4-BE49-F238E27FC236}">
+                            <a16:creationId xmlns:a16="http://schemas.microsoft.com/office/drawing/2014/main" id="{ADA0C567-7E4A-4A6F-8B95-E9B5F5071629}"/>
+                          </a:ext>
+                        </a:extLst>
+                      </p:cNvPr>
+                      <p:cNvPicPr/>
+                      <p:nvPr/>
+                    </p:nvPicPr>
+                    <p:blipFill>
+                      <a:blip r:embed="rId7"/>
+                      <a:stretch>
+                        <a:fillRect/>
+                      </a:stretch>
+                    </p:blipFill>
+                    <p:spPr>
+                      <a:xfrm>
+                        <a:off x="648282" y="3110968"/>
+                        <a:ext cx="4024378" cy="899861"/>
+                      </a:xfrm>
+                      <a:prstGeom prst="rect">
+                        <a:avLst/>
+                      </a:prstGeom>
+                    </p:spPr>
+                  </p:pic>
+                </p:oleObj>
+              </mc:Fallback>
+            </mc:AlternateContent>
+          </a:graphicData>
+        </a:graphic>
+      </p:graphicFrame>
+    </p:spTree>
+    <p:extLst>
+      <p:ext uri="{BB962C8B-B14F-4D97-AF65-F5344CB8AC3E}">
+        <p14:creationId xmlns:p14="http://schemas.microsoft.com/office/powerpoint/2010/main" val="4001691327"/>
+      </p:ext>
+    </p:extLst>
+  </p:cSld>
+  <p:clrMapOvr>
+    <a:masterClrMapping/>
+  </p:clrMapOvr>
+</p:sld>
+</file>
+
+<file path=ppt/slides/slide7.xml><?xml version="1.0" encoding="utf-8"?>
+<p:sld xmlns:a="http://schemas.openxmlformats.org/drawingml/2006/main" xmlns:r="http://schemas.openxmlformats.org/officeDocument/2006/relationships" xmlns:p="http://schemas.openxmlformats.org/presentationml/2006/main">
+  <p:cSld>
+    <p:spTree>
+      <p:nvGrpSpPr>
+        <p:cNvPr id="1" name=""/>
+        <p:cNvGrpSpPr/>
+        <p:nvPr/>
+      </p:nvGrpSpPr>
+      <p:grpSpPr>
+        <a:xfrm>
+          <a:off x="0" y="0"/>
+          <a:ext cx="0" cy="0"/>
+          <a:chOff x="0" y="0"/>
+          <a:chExt cx="0" cy="0"/>
+        </a:xfrm>
+      </p:grpSpPr>
+      <p:sp>
+        <p:nvSpPr>
+          <p:cNvPr id="2" name="内容占位符 1"/>
+          <p:cNvSpPr>
+            <a:spLocks noGrp="1"/>
+          </p:cNvSpPr>
+          <p:nvPr>
+            <p:ph sz="quarter" idx="10"/>
+          </p:nvPr>
+        </p:nvSpPr>
+        <p:spPr/>
+        <p:txBody>
+          <a:bodyPr/>
+          <a:lstStyle/>
+          <a:p>
+            <a:pPr marL="342900" indent="-342900">
+              <a:lnSpc>
+                <a:spcPct val="150000"/>
+              </a:lnSpc>
+            </a:pPr>
+            <a:r>
+              <a:rPr lang="en-US" altLang="zh-CN" dirty="0">
+                <a:latin typeface="华文楷体" panose="02010600040101010101" pitchFamily="2" charset="-122"/>
+                <a:ea typeface="华文楷体" panose="02010600040101010101" pitchFamily="2" charset="-122"/>
+              </a:rPr>
+              <a:t>1997</a:t>
+            </a:r>
+            <a:r>
+              <a:rPr lang="zh-CN" altLang="en-US" dirty="0">
+                <a:latin typeface="华文楷体" panose="02010600040101010101" pitchFamily="2" charset="-122"/>
+                <a:ea typeface="华文楷体" panose="02010600040101010101" pitchFamily="2" charset="-122"/>
+              </a:rPr>
+              <a:t>年</a:t>
+            </a:r>
+            <a:r>
+              <a:rPr lang="en-US" altLang="zh-CN" dirty="0" err="1">
+                <a:latin typeface="Times New Roman" panose="02020603050405020304" pitchFamily="18" charset="0"/>
+                <a:ea typeface="华文楷体" panose="02010600040101010101" pitchFamily="2" charset="-122"/>
+                <a:cs typeface="Times New Roman" panose="02020603050405020304" pitchFamily="18" charset="0"/>
+              </a:rPr>
+              <a:t>Biham</a:t>
+            </a:r>
+            <a:r>
+              <a:rPr lang="zh-CN" altLang="en-US" dirty="0">
+                <a:latin typeface="华文楷体" panose="02010600040101010101" pitchFamily="2" charset="-122"/>
+                <a:ea typeface="华文楷体" panose="02010600040101010101" pitchFamily="2" charset="-122"/>
+              </a:rPr>
+              <a:t>首次提出</a:t>
+            </a:r>
+            <a:endParaRPr lang="en-US" altLang="zh-CN" dirty="0">
+              <a:latin typeface="华文楷体" panose="02010600040101010101" pitchFamily="2" charset="-122"/>
+              <a:ea typeface="华文楷体" panose="02010600040101010101" pitchFamily="2" charset="-122"/>
+            </a:endParaRPr>
+          </a:p>
+          <a:p>
+            <a:pPr marL="342900" indent="-342900">
+              <a:lnSpc>
+                <a:spcPct val="150000"/>
+              </a:lnSpc>
+            </a:pPr>
+            <a:r>
+              <a:rPr lang="zh-CN" altLang="en-US" dirty="0">
+                <a:latin typeface="华文楷体" panose="02010600040101010101" pitchFamily="2" charset="-122"/>
+                <a:ea typeface="华文楷体" panose="02010600040101010101" pitchFamily="2" charset="-122"/>
+              </a:rPr>
+              <a:t>通过修改</a:t>
+            </a:r>
+            <a:r>
+              <a:rPr lang="zh-CN" altLang="en-US" dirty="0">
+                <a:solidFill>
+                  <a:srgbClr val="FF0000"/>
+                </a:solidFill>
+                <a:latin typeface="华文楷体" panose="02010600040101010101" pitchFamily="2" charset="-122"/>
+                <a:ea typeface="华文楷体" panose="02010600040101010101" pitchFamily="2" charset="-122"/>
+              </a:rPr>
+              <a:t>时钟脉冲</a:t>
+            </a:r>
+            <a:r>
+              <a:rPr lang="zh-CN" altLang="en-US" dirty="0">
+                <a:latin typeface="华文楷体" panose="02010600040101010101" pitchFamily="2" charset="-122"/>
+                <a:ea typeface="华文楷体" panose="02010600040101010101" pitchFamily="2" charset="-122"/>
+              </a:rPr>
+              <a:t>、</a:t>
+            </a:r>
+            <a:r>
+              <a:rPr lang="zh-CN" altLang="en-US" dirty="0">
+                <a:solidFill>
+                  <a:srgbClr val="FF0000"/>
+                </a:solidFill>
+                <a:latin typeface="华文楷体" panose="02010600040101010101" pitchFamily="2" charset="-122"/>
+                <a:ea typeface="华文楷体" panose="02010600040101010101" pitchFamily="2" charset="-122"/>
+              </a:rPr>
+              <a:t>供电电压</a:t>
+            </a:r>
+            <a:r>
+              <a:rPr lang="zh-CN" altLang="en-US" dirty="0">
+                <a:latin typeface="华文楷体" panose="02010600040101010101" pitchFamily="2" charset="-122"/>
+                <a:ea typeface="华文楷体" panose="02010600040101010101" pitchFamily="2" charset="-122"/>
+              </a:rPr>
+              <a:t>、或通过</a:t>
+            </a:r>
+            <a:r>
+              <a:rPr lang="zh-CN" altLang="en-US" dirty="0">
+                <a:solidFill>
+                  <a:srgbClr val="FF0000"/>
+                </a:solidFill>
+                <a:latin typeface="华文楷体" panose="02010600040101010101" pitchFamily="2" charset="-122"/>
+                <a:ea typeface="华文楷体" panose="02010600040101010101" pitchFamily="2" charset="-122"/>
+              </a:rPr>
+              <a:t>电磁或激光脉冲</a:t>
+            </a:r>
+            <a:r>
+              <a:rPr lang="zh-CN" altLang="en-US" dirty="0">
+                <a:latin typeface="华文楷体" panose="02010600040101010101" pitchFamily="2" charset="-122"/>
+                <a:ea typeface="华文楷体" panose="02010600040101010101" pitchFamily="2" charset="-122"/>
+              </a:rPr>
+              <a:t>注入故障，对比正确加密与错误加密的密文结果</a:t>
+            </a:r>
+            <a:endParaRPr lang="en-US" altLang="zh-CN" dirty="0">
+              <a:latin typeface="华文楷体" panose="02010600040101010101" pitchFamily="2" charset="-122"/>
+              <a:ea typeface="华文楷体" panose="02010600040101010101" pitchFamily="2" charset="-122"/>
+            </a:endParaRPr>
+          </a:p>
+          <a:p>
+            <a:pPr marL="342900" indent="-342900">
+              <a:lnSpc>
+                <a:spcPct val="150000"/>
+              </a:lnSpc>
+            </a:pPr>
+            <a:r>
+              <a:rPr lang="zh-CN" altLang="en-US" dirty="0">
+                <a:latin typeface="华文楷体" panose="02010600040101010101" pitchFamily="2" charset="-122"/>
+                <a:ea typeface="华文楷体" panose="02010600040101010101" pitchFamily="2" charset="-122"/>
+              </a:rPr>
+              <a:t>防御手段：探测、重复</a:t>
+            </a:r>
+          </a:p>
+          <a:p>
+            <a:endParaRPr lang="zh-CN" altLang="en-US" dirty="0"/>
+          </a:p>
+        </p:txBody>
+      </p:sp>
+      <p:sp>
+        <p:nvSpPr>
+          <p:cNvPr id="3" name="标题 2"/>
+          <p:cNvSpPr>
+            <a:spLocks noGrp="1"/>
+          </p:cNvSpPr>
+          <p:nvPr>
+            <p:ph type="title"/>
+          </p:nvPr>
+        </p:nvSpPr>
+        <p:spPr/>
+        <p:txBody>
+          <a:bodyPr/>
+          <a:lstStyle/>
+          <a:p>
+            <a:r>
+              <a:rPr lang="zh-CN" altLang="en-US" dirty="0" smtClean="0"/>
+              <a:t>故障分析</a:t>
+            </a:r>
+            <a:endParaRPr lang="zh-CN" altLang="en-US" dirty="0"/>
+          </a:p>
+        </p:txBody>
+      </p:sp>
+      <p:pic>
+        <p:nvPicPr>
+          <p:cNvPr id="5" name="图片 4">
+            <a:extLst>
+              <a:ext uri="{FF2B5EF4-FFF2-40B4-BE49-F238E27FC236}">
+                <a16:creationId xmlns:a16="http://schemas.microsoft.com/office/drawing/2014/main" id="{6B873FA6-5D5C-4045-82F9-FD34DD75130F}"/>
+              </a:ext>
+            </a:extLst>
+          </p:cNvPr>
+          <p:cNvPicPr>
+            <a:picLocks noChangeAspect="1"/>
+          </p:cNvPicPr>
+          <p:nvPr/>
+        </p:nvPicPr>
+        <p:blipFill rotWithShape="1">
+          <a:blip r:embed="rId2"/>
+          <a:srcRect t="5724"/>
+          <a:stretch/>
+        </p:blipFill>
+        <p:spPr>
+          <a:xfrm>
+            <a:off x="7219340" y="3627467"/>
+            <a:ext cx="2987352" cy="2643791"/>
+          </a:xfrm>
+          <a:prstGeom prst="rect">
+            <a:avLst/>
+          </a:prstGeom>
+        </p:spPr>
+      </p:pic>
+    </p:spTree>
+    <p:extLst>
+      <p:ext uri="{BB962C8B-B14F-4D97-AF65-F5344CB8AC3E}">
+        <p14:creationId xmlns:p14="http://schemas.microsoft.com/office/powerpoint/2010/main" val="3426329644"/>
+      </p:ext>
+    </p:extLst>
+  </p:cSld>
+  <p:clrMapOvr>
+    <a:masterClrMapping/>
+  </p:clrMapOvr>
+</p:sld>
+</file>
+
+<file path=ppt/slides/slide8.xml><?xml version="1.0" encoding="utf-8"?>
+<p:sld xmlns:a="http://schemas.openxmlformats.org/drawingml/2006/main" xmlns:r="http://schemas.openxmlformats.org/officeDocument/2006/relationships" xmlns:p="http://schemas.openxmlformats.org/presentationml/2006/main">
+  <p:cSld>
+    <p:spTree>
+      <p:nvGrpSpPr>
+        <p:cNvPr id="1" name=""/>
+        <p:cNvGrpSpPr/>
+        <p:nvPr/>
+      </p:nvGrpSpPr>
+      <p:grpSpPr>
+        <a:xfrm>
+          <a:off x="0" y="0"/>
+          <a:ext cx="0" cy="0"/>
+          <a:chOff x="0" y="0"/>
+          <a:chExt cx="0" cy="0"/>
+        </a:xfrm>
+      </p:grpSpPr>
+      <p:sp>
+        <p:nvSpPr>
+          <p:cNvPr id="2" name="内容占位符 1"/>
+          <p:cNvSpPr>
+            <a:spLocks noGrp="1"/>
+          </p:cNvSpPr>
+          <p:nvPr>
+            <p:ph sz="quarter" idx="10"/>
+          </p:nvPr>
+        </p:nvSpPr>
+        <p:spPr/>
+        <p:txBody>
+          <a:bodyPr/>
+          <a:lstStyle/>
+          <a:p>
+            <a:endParaRPr lang="zh-CN" altLang="en-US"/>
+          </a:p>
+        </p:txBody>
+      </p:sp>
+      <p:sp>
+        <p:nvSpPr>
+          <p:cNvPr id="3" name="标题 2"/>
+          <p:cNvSpPr>
+            <a:spLocks noGrp="1"/>
+          </p:cNvSpPr>
+          <p:nvPr>
+            <p:ph type="title"/>
+          </p:nvPr>
+        </p:nvSpPr>
+        <p:spPr/>
+        <p:txBody>
+          <a:bodyPr/>
+          <a:lstStyle/>
+          <a:p>
+            <a:r>
+              <a:rPr lang="zh-CN" altLang="en-US" dirty="0" smtClean="0"/>
+              <a:t>注入方式</a:t>
+            </a:r>
+            <a:endParaRPr lang="zh-CN" altLang="en-US" dirty="0"/>
+          </a:p>
+        </p:txBody>
+      </p:sp>
+      <p:pic>
+        <p:nvPicPr>
+          <p:cNvPr id="4" name="图片 3"/>
+          <p:cNvPicPr/>
+          <p:nvPr/>
+        </p:nvPicPr>
+        <p:blipFill>
+          <a:blip r:embed="rId2" cstate="print">
+            <a:extLst>
+              <a:ext uri="{28A0092B-C50C-407E-A947-70E740481C1C}">
+                <a14:useLocalDpi xmlns:a14="http://schemas.microsoft.com/office/drawing/2010/main" val="0"/>
+              </a:ext>
+            </a:extLst>
+          </a:blip>
+          <a:srcRect/>
+          <a:stretch>
+            <a:fillRect/>
+          </a:stretch>
+        </p:blipFill>
+        <p:spPr bwMode="auto">
+          <a:xfrm>
+            <a:off x="566928" y="2185416"/>
+            <a:ext cx="6655440" cy="3077498"/>
+          </a:xfrm>
+          <a:prstGeom prst="rect">
+            <a:avLst/>
+          </a:prstGeom>
+          <a:noFill/>
+          <a:ln>
+            <a:noFill/>
+          </a:ln>
+        </p:spPr>
+      </p:pic>
+    </p:spTree>
+    <p:extLst>
+      <p:ext uri="{BB962C8B-B14F-4D97-AF65-F5344CB8AC3E}">
+        <p14:creationId xmlns:p14="http://schemas.microsoft.com/office/powerpoint/2010/main" val="545774708"/>
+      </p:ext>
+    </p:extLst>
+  </p:cSld>
+  <p:clrMapOvr>
+    <a:masterClrMapping/>
+  </p:clrMapOvr>
+</p:sld>
+</file>
+
+<file path=ppt/slides/slide9.xml><?xml version="1.0" encoding="utf-8"?>
+<p:sld xmlns:a="http://schemas.openxmlformats.org/drawingml/2006/main" xmlns:r="http://schemas.openxmlformats.org/officeDocument/2006/relationships" xmlns:p="http://schemas.openxmlformats.org/presentationml/2006/main">
+  <p:cSld>
+    <p:spTree>
+      <p:nvGrpSpPr>
+        <p:cNvPr id="1" name=""/>
+        <p:cNvGrpSpPr/>
+        <p:nvPr/>
+      </p:nvGrpSpPr>
+      <p:grpSpPr>
+        <a:xfrm>
+          <a:off x="0" y="0"/>
+          <a:ext cx="0" cy="0"/>
+          <a:chOff x="0" y="0"/>
+          <a:chExt cx="0" cy="0"/>
+        </a:xfrm>
+      </p:grpSpPr>
+      <p:sp>
+        <p:nvSpPr>
+          <p:cNvPr id="2" name="内容占位符 1"/>
+          <p:cNvSpPr>
+            <a:spLocks noGrp="1"/>
+          </p:cNvSpPr>
+          <p:nvPr>
+            <p:ph sz="quarter" idx="10"/>
+          </p:nvPr>
+        </p:nvSpPr>
+        <p:spPr/>
+        <p:txBody>
+          <a:bodyPr/>
+          <a:lstStyle/>
+          <a:p>
+            <a:r>
+              <a:rPr lang="zh-CN" altLang="en-US" sz="2800" dirty="0"/>
+              <a:t>错误分类</a:t>
+            </a:r>
+          </a:p>
+          <a:p>
+            <a:r>
+              <a:rPr lang="en-US" altLang="zh-CN" sz="2800" dirty="0" err="1"/>
+              <a:t>Yannan</a:t>
+            </a:r>
+            <a:r>
+              <a:rPr lang="en-US" altLang="zh-CN" sz="2800" dirty="0"/>
+              <a:t> Liu, </a:t>
+            </a:r>
+            <a:r>
+              <a:rPr lang="en-US" altLang="zh-CN" sz="2800" dirty="0" err="1"/>
+              <a:t>Lingxiao</a:t>
+            </a:r>
+            <a:r>
+              <a:rPr lang="en-US" altLang="zh-CN" sz="2800" dirty="0"/>
+              <a:t> Wei </a:t>
+            </a:r>
+            <a:r>
+              <a:rPr lang="zh-CN" altLang="en-US" sz="2800" dirty="0" smtClean="0"/>
+              <a:t>等提出</a:t>
+            </a:r>
+            <a:r>
+              <a:rPr lang="zh-CN" altLang="en-US" sz="2800" dirty="0"/>
+              <a:t>了两种针对深度学习模型的故障注入</a:t>
+            </a:r>
+            <a:r>
+              <a:rPr lang="zh-CN" altLang="en-US" sz="2800" dirty="0" smtClean="0"/>
+              <a:t>攻击，</a:t>
+            </a:r>
+            <a:r>
+              <a:rPr lang="zh-CN" altLang="en-US" sz="2800" dirty="0"/>
+              <a:t>对深度学习模型参数进行微小改动即可实现错误分类。 </a:t>
+            </a:r>
+            <a:endParaRPr lang="en-US" altLang="zh-CN" sz="2800" dirty="0" smtClean="0"/>
+          </a:p>
+        </p:txBody>
+      </p:sp>
+      <p:sp>
+        <p:nvSpPr>
+          <p:cNvPr id="3" name="标题 2"/>
+          <p:cNvSpPr>
+            <a:spLocks noGrp="1"/>
+          </p:cNvSpPr>
+          <p:nvPr>
+            <p:ph type="title"/>
+          </p:nvPr>
+        </p:nvSpPr>
+        <p:spPr/>
+        <p:txBody>
+          <a:bodyPr/>
+          <a:lstStyle/>
+          <a:p>
+            <a:r>
+              <a:rPr lang="zh-CN" altLang="en-US" dirty="0"/>
+              <a:t>针对神经网络的实现</a:t>
+            </a:r>
+            <a:br>
+              <a:rPr lang="zh-CN" altLang="en-US" dirty="0"/>
+            </a:br>
+            <a:endParaRPr lang="zh-CN" altLang="en-US" dirty="0"/>
+          </a:p>
+        </p:txBody>
+      </p:sp>
+    </p:spTree>
+    <p:extLst>
+      <p:ext uri="{BB962C8B-B14F-4D97-AF65-F5344CB8AC3E}">
+        <p14:creationId xmlns:p14="http://schemas.microsoft.com/office/powerpoint/2010/main" val="719284858"/>
       </p:ext>
     </p:extLst>
   </p:cSld>

--- a/网络与通信安全/PPT模板.pptx
+++ b/网络与通信安全/PPT模板.pptx
@@ -5,30 +5,31 @@
     <p:sldMasterId id="2147483901" r:id="rId1"/>
   </p:sldMasterIdLst>
   <p:notesMasterIdLst>
-    <p:notesMasterId r:id="rId20"/>
+    <p:notesMasterId r:id="rId21"/>
   </p:notesMasterIdLst>
   <p:handoutMasterIdLst>
-    <p:handoutMasterId r:id="rId21"/>
+    <p:handoutMasterId r:id="rId22"/>
   </p:handoutMasterIdLst>
   <p:sldIdLst>
     <p:sldId id="256" r:id="rId2"/>
     <p:sldId id="259" r:id="rId3"/>
-    <p:sldId id="260" r:id="rId4"/>
-    <p:sldId id="261" r:id="rId5"/>
-    <p:sldId id="263" r:id="rId6"/>
-    <p:sldId id="262" r:id="rId7"/>
-    <p:sldId id="264" r:id="rId8"/>
-    <p:sldId id="265" r:id="rId9"/>
-    <p:sldId id="266" r:id="rId10"/>
-    <p:sldId id="267" r:id="rId11"/>
-    <p:sldId id="271" r:id="rId12"/>
-    <p:sldId id="273" r:id="rId13"/>
-    <p:sldId id="268" r:id="rId14"/>
-    <p:sldId id="272" r:id="rId15"/>
-    <p:sldId id="269" r:id="rId16"/>
-    <p:sldId id="270" r:id="rId17"/>
-    <p:sldId id="274" r:id="rId18"/>
-    <p:sldId id="275" r:id="rId19"/>
+    <p:sldId id="276" r:id="rId4"/>
+    <p:sldId id="260" r:id="rId5"/>
+    <p:sldId id="261" r:id="rId6"/>
+    <p:sldId id="263" r:id="rId7"/>
+    <p:sldId id="262" r:id="rId8"/>
+    <p:sldId id="264" r:id="rId9"/>
+    <p:sldId id="265" r:id="rId10"/>
+    <p:sldId id="266" r:id="rId11"/>
+    <p:sldId id="267" r:id="rId12"/>
+    <p:sldId id="271" r:id="rId13"/>
+    <p:sldId id="273" r:id="rId14"/>
+    <p:sldId id="268" r:id="rId15"/>
+    <p:sldId id="272" r:id="rId16"/>
+    <p:sldId id="269" r:id="rId17"/>
+    <p:sldId id="270" r:id="rId18"/>
+    <p:sldId id="274" r:id="rId19"/>
+    <p:sldId id="275" r:id="rId20"/>
   </p:sldIdLst>
   <p:sldSz cx="12192000" cy="6858000"/>
   <p:notesSz cx="6858000" cy="9144000"/>
@@ -848,7 +849,7 @@
             <a:fld id="{02322656-8894-1544-92AA-01B3CF5E6182}" type="slidenum">
               <a:rPr lang="en-US" smtClean="0"/>
               <a:pPr/>
-              <a:t>4</a:t>
+              <a:t>5</a:t>
             </a:fld>
             <a:endParaRPr lang="en-US" dirty="0"/>
           </a:p>
@@ -963,7 +964,7 @@
             <a:fld id="{02322656-8894-1544-92AA-01B3CF5E6182}" type="slidenum">
               <a:rPr lang="en-US" smtClean="0"/>
               <a:pPr/>
-              <a:t>6</a:t>
+              <a:t>7</a:t>
             </a:fld>
             <a:endParaRPr lang="en-US" dirty="0"/>
           </a:p>
@@ -1071,7 +1072,7 @@
             <a:fld id="{02322656-8894-1544-92AA-01B3CF5E6182}" type="slidenum">
               <a:rPr lang="en-US" smtClean="0"/>
               <a:pPr/>
-              <a:t>11</a:t>
+              <a:t>12</a:t>
             </a:fld>
             <a:endParaRPr lang="en-US" dirty="0"/>
           </a:p>
@@ -2786,63 +2787,43 @@
           <a:p>
             <a:r>
               <a:rPr lang="zh-CN" altLang="en-US" sz="2800" dirty="0"/>
-              <a:t>单偏置攻击（</a:t>
+              <a:t>错误分类</a:t>
+            </a:r>
+          </a:p>
+          <a:p>
+            <a:r>
+              <a:rPr lang="en-US" altLang="zh-CN" sz="2800" dirty="0" err="1"/>
+              <a:t>Yannan</a:t>
             </a:r>
             <a:r>
               <a:rPr lang="en-US" altLang="zh-CN" sz="2800" dirty="0"/>
-              <a:t>single bias attack, SBA</a:t>
+              <a:t> Liu, </a:t>
+            </a:r>
+            <a:r>
+              <a:rPr lang="en-US" altLang="zh-CN" sz="2800" dirty="0" err="1"/>
+              <a:t>Lingxiao</a:t>
+            </a:r>
+            <a:r>
+              <a:rPr lang="en-US" altLang="zh-CN" sz="2800" dirty="0"/>
+              <a:t> Wei </a:t>
+            </a:r>
+            <a:r>
+              <a:rPr lang="zh-CN" altLang="en-US" sz="2800" dirty="0" smtClean="0"/>
+              <a:t>等提出</a:t>
             </a:r>
             <a:r>
               <a:rPr lang="zh-CN" altLang="en-US" sz="2800" dirty="0"/>
-              <a:t>）</a:t>
-            </a:r>
-            <a:endParaRPr lang="en-US" altLang="zh-CN" sz="2800" dirty="0"/>
-          </a:p>
-          <a:p>
-            <a:pPr lvl="1"/>
-            <a:r>
-              <a:rPr lang="en-US" altLang="zh-CN" sz="2400" dirty="0"/>
-              <a:t>SBA</a:t>
-            </a:r>
-            <a:r>
-              <a:rPr lang="zh-CN" altLang="en-US" sz="2400" dirty="0"/>
-              <a:t>能够通过仅修改网络中的某个偏差项来实现错误分类。</a:t>
-            </a:r>
-            <a:endParaRPr lang="en-US" altLang="zh-CN" sz="2400" dirty="0"/>
-          </a:p>
-          <a:p>
+              <a:t>了两种针对深度学习模型的故障注入</a:t>
+            </a:r>
+            <a:r>
+              <a:rPr lang="zh-CN" altLang="en-US" sz="2800" dirty="0" smtClean="0"/>
+              <a:t>攻击，</a:t>
+            </a:r>
             <a:r>
               <a:rPr lang="zh-CN" altLang="en-US" sz="2800" dirty="0"/>
-              <a:t>梯度下降攻击（</a:t>
-            </a:r>
-            <a:r>
-              <a:rPr lang="en-US" altLang="zh-CN" sz="2800" dirty="0"/>
-              <a:t>Gradient descent </a:t>
-            </a:r>
-            <a:r>
-              <a:rPr lang="en-US" altLang="zh-CN" sz="2800" dirty="0" err="1"/>
-              <a:t>attack,GDA</a:t>
-            </a:r>
-            <a:r>
-              <a:rPr lang="zh-CN" altLang="en-US" sz="2800" dirty="0"/>
-              <a:t>）</a:t>
-            </a:r>
-            <a:endParaRPr lang="en-US" altLang="zh-CN" sz="2800" dirty="0"/>
-          </a:p>
-          <a:p>
-            <a:pPr lvl="1"/>
-            <a:r>
-              <a:rPr lang="en-US" altLang="zh-CN" sz="2400" dirty="0"/>
-              <a:t>GDA</a:t>
-            </a:r>
-            <a:r>
-              <a:rPr lang="zh-CN" altLang="en-US" sz="2400" dirty="0"/>
-              <a:t>通过分层搜索和修改压缩技术，使得整个故障注入攻击能够以更少的攻击次数达到足够理想的结果。</a:t>
-            </a:r>
-            <a:endParaRPr lang="en-US" altLang="zh-CN" sz="2400" dirty="0"/>
-          </a:p>
-          <a:p>
-            <a:endParaRPr lang="zh-CN" altLang="en-US" dirty="0"/>
+              <a:t>对深度学习模型参数进行微小改动即可实现错误分类。 </a:t>
+            </a:r>
+            <a:endParaRPr lang="en-US" altLang="zh-CN" sz="2800" dirty="0" smtClean="0"/>
           </a:p>
         </p:txBody>
       </p:sp>
@@ -2862,9 +2843,12 @@
           <a:lstStyle/>
           <a:p>
             <a:r>
-              <a:rPr lang="zh-CN" altLang="en-US" dirty="0" smtClean="0"/>
-              <a:t>错误分类</a:t>
-            </a:r>
+              <a:rPr lang="zh-CN" altLang="en-US" dirty="0"/>
+              <a:t>针对神经网络的实现</a:t>
+            </a:r>
+            <a:br>
+              <a:rPr lang="zh-CN" altLang="en-US" dirty="0"/>
+            </a:br>
             <a:endParaRPr lang="zh-CN" altLang="en-US" dirty="0"/>
           </a:p>
         </p:txBody>
@@ -2872,7 +2856,7 @@
     </p:spTree>
     <p:extLst>
       <p:ext uri="{BB962C8B-B14F-4D97-AF65-F5344CB8AC3E}">
-        <p14:creationId xmlns:p14="http://schemas.microsoft.com/office/powerpoint/2010/main" val="1981300144"/>
+        <p14:creationId xmlns:p14="http://schemas.microsoft.com/office/powerpoint/2010/main" val="719284858"/>
       </p:ext>
     </p:extLst>
   </p:cSld>
@@ -2915,6 +2899,136 @@
           <a:lstStyle/>
           <a:p>
             <a:r>
+              <a:rPr lang="zh-CN" altLang="en-US" sz="2800" dirty="0"/>
+              <a:t>单偏置攻击（</a:t>
+            </a:r>
+            <a:r>
+              <a:rPr lang="en-US" altLang="zh-CN" sz="2800" dirty="0"/>
+              <a:t>single bias attack, SBA</a:t>
+            </a:r>
+            <a:r>
+              <a:rPr lang="zh-CN" altLang="en-US" sz="2800" dirty="0"/>
+              <a:t>）</a:t>
+            </a:r>
+            <a:endParaRPr lang="en-US" altLang="zh-CN" sz="2800" dirty="0"/>
+          </a:p>
+          <a:p>
+            <a:pPr lvl="1"/>
+            <a:r>
+              <a:rPr lang="en-US" altLang="zh-CN" sz="2400" dirty="0"/>
+              <a:t>SBA</a:t>
+            </a:r>
+            <a:r>
+              <a:rPr lang="zh-CN" altLang="en-US" sz="2400" dirty="0"/>
+              <a:t>能够通过仅修改网络中的某个偏差项来实现错误分类。</a:t>
+            </a:r>
+            <a:endParaRPr lang="en-US" altLang="zh-CN" sz="2400" dirty="0"/>
+          </a:p>
+          <a:p>
+            <a:r>
+              <a:rPr lang="zh-CN" altLang="en-US" sz="2800" dirty="0"/>
+              <a:t>梯度下降攻击（</a:t>
+            </a:r>
+            <a:r>
+              <a:rPr lang="en-US" altLang="zh-CN" sz="2800" dirty="0"/>
+              <a:t>Gradient descent </a:t>
+            </a:r>
+            <a:r>
+              <a:rPr lang="en-US" altLang="zh-CN" sz="2800" dirty="0" err="1"/>
+              <a:t>attack,GDA</a:t>
+            </a:r>
+            <a:r>
+              <a:rPr lang="zh-CN" altLang="en-US" sz="2800" dirty="0"/>
+              <a:t>）</a:t>
+            </a:r>
+            <a:endParaRPr lang="en-US" altLang="zh-CN" sz="2800" dirty="0"/>
+          </a:p>
+          <a:p>
+            <a:pPr lvl="1"/>
+            <a:r>
+              <a:rPr lang="en-US" altLang="zh-CN" sz="2400" dirty="0"/>
+              <a:t>GDA</a:t>
+            </a:r>
+            <a:r>
+              <a:rPr lang="zh-CN" altLang="en-US" sz="2400" dirty="0"/>
+              <a:t>通过分层搜索和修改压缩技术，使得整个故障注入攻击能够以更少的攻击次数达到足够理想的结果。</a:t>
+            </a:r>
+            <a:endParaRPr lang="en-US" altLang="zh-CN" sz="2400" dirty="0"/>
+          </a:p>
+          <a:p>
+            <a:endParaRPr lang="zh-CN" altLang="en-US" dirty="0"/>
+          </a:p>
+        </p:txBody>
+      </p:sp>
+      <p:sp>
+        <p:nvSpPr>
+          <p:cNvPr id="3" name="标题 2"/>
+          <p:cNvSpPr>
+            <a:spLocks noGrp="1"/>
+          </p:cNvSpPr>
+          <p:nvPr>
+            <p:ph type="title"/>
+          </p:nvPr>
+        </p:nvSpPr>
+        <p:spPr/>
+        <p:txBody>
+          <a:bodyPr/>
+          <a:lstStyle/>
+          <a:p>
+            <a:r>
+              <a:rPr lang="zh-CN" altLang="en-US" dirty="0" smtClean="0"/>
+              <a:t>错误分类</a:t>
+            </a:r>
+            <a:endParaRPr lang="zh-CN" altLang="en-US" dirty="0"/>
+          </a:p>
+        </p:txBody>
+      </p:sp>
+    </p:spTree>
+    <p:extLst>
+      <p:ext uri="{BB962C8B-B14F-4D97-AF65-F5344CB8AC3E}">
+        <p14:creationId xmlns:p14="http://schemas.microsoft.com/office/powerpoint/2010/main" val="1981300144"/>
+      </p:ext>
+    </p:extLst>
+  </p:cSld>
+  <p:clrMapOvr>
+    <a:masterClrMapping/>
+  </p:clrMapOvr>
+</p:sld>
+</file>
+
+<file path=ppt/slides/slide12.xml><?xml version="1.0" encoding="utf-8"?>
+<p:sld xmlns:a="http://schemas.openxmlformats.org/drawingml/2006/main" xmlns:r="http://schemas.openxmlformats.org/officeDocument/2006/relationships" xmlns:p="http://schemas.openxmlformats.org/presentationml/2006/main">
+  <p:cSld>
+    <p:spTree>
+      <p:nvGrpSpPr>
+        <p:cNvPr id="1" name=""/>
+        <p:cNvGrpSpPr/>
+        <p:nvPr/>
+      </p:nvGrpSpPr>
+      <p:grpSpPr>
+        <a:xfrm>
+          <a:off x="0" y="0"/>
+          <a:ext cx="0" cy="0"/>
+          <a:chOff x="0" y="0"/>
+          <a:chExt cx="0" cy="0"/>
+        </a:xfrm>
+      </p:grpSpPr>
+      <p:sp>
+        <p:nvSpPr>
+          <p:cNvPr id="2" name="内容占位符 1"/>
+          <p:cNvSpPr>
+            <a:spLocks noGrp="1"/>
+          </p:cNvSpPr>
+          <p:nvPr>
+            <p:ph sz="quarter" idx="10"/>
+          </p:nvPr>
+        </p:nvSpPr>
+        <p:spPr/>
+        <p:txBody>
+          <a:bodyPr/>
+          <a:lstStyle/>
+          <a:p>
+            <a:r>
               <a:rPr lang="en-US" altLang="zh-CN" dirty="0"/>
               <a:t>Jakub </a:t>
             </a:r>
@@ -3018,11 +3132,7 @@
             </a:r>
             <a:r>
               <a:rPr lang="zh-CN" altLang="en-US" dirty="0" smtClean="0"/>
-              <a:t>下降</a:t>
-            </a:r>
-            <a:r>
-              <a:rPr lang="zh-CN" altLang="en-US" dirty="0" smtClean="0"/>
-              <a:t>）</a:t>
+              <a:t>下降）</a:t>
             </a:r>
             <a:endParaRPr lang="en-US" altLang="zh-CN" dirty="0" smtClean="0"/>
           </a:p>
@@ -3064,7 +3174,7 @@
 </p:sld>
 </file>
 
-<file path=ppt/slides/slide12.xml><?xml version="1.0" encoding="utf-8"?>
+<file path=ppt/slides/slide13.xml><?xml version="1.0" encoding="utf-8"?>
 <p:sld xmlns:a="http://schemas.openxmlformats.org/drawingml/2006/main" xmlns:r="http://schemas.openxmlformats.org/officeDocument/2006/relationships" xmlns:p="http://schemas.openxmlformats.org/presentationml/2006/main">
   <p:cSld>
     <p:spTree>
@@ -3169,7 +3279,7 @@
 </p:sld>
 </file>
 
-<file path=ppt/slides/slide13.xml><?xml version="1.0" encoding="utf-8"?>
+<file path=ppt/slides/slide14.xml><?xml version="1.0" encoding="utf-8"?>
 <p:sld xmlns:a="http://schemas.openxmlformats.org/drawingml/2006/main" xmlns:r="http://schemas.openxmlformats.org/officeDocument/2006/relationships" xmlns:p="http://schemas.openxmlformats.org/presentationml/2006/main">
   <p:cSld>
     <p:spTree>
@@ -3422,7 +3532,7 @@
 </p:sld>
 </file>
 
-<file path=ppt/slides/slide14.xml><?xml version="1.0" encoding="utf-8"?>
+<file path=ppt/slides/slide15.xml><?xml version="1.0" encoding="utf-8"?>
 <p:sld xmlns:a="http://schemas.openxmlformats.org/drawingml/2006/main" xmlns:r="http://schemas.openxmlformats.org/officeDocument/2006/relationships" xmlns:p="http://schemas.openxmlformats.org/presentationml/2006/main">
   <p:cSld>
     <p:spTree>
@@ -3518,7 +3628,7 @@
 </p:sld>
 </file>
 
-<file path=ppt/slides/slide15.xml><?xml version="1.0" encoding="utf-8"?>
+<file path=ppt/slides/slide16.xml><?xml version="1.0" encoding="utf-8"?>
 <p:sld xmlns:a="http://schemas.openxmlformats.org/drawingml/2006/main" xmlns:r="http://schemas.openxmlformats.org/officeDocument/2006/relationships" xmlns:p="http://schemas.openxmlformats.org/presentationml/2006/main">
   <p:cSld>
     <p:spTree>
@@ -3674,7 +3784,7 @@
 </p:sld>
 </file>
 
-<file path=ppt/slides/slide16.xml><?xml version="1.0" encoding="utf-8"?>
+<file path=ppt/slides/slide17.xml><?xml version="1.0" encoding="utf-8"?>
 <p:sld xmlns:a="http://schemas.openxmlformats.org/drawingml/2006/main" xmlns:r="http://schemas.openxmlformats.org/officeDocument/2006/relationships" xmlns:p="http://schemas.openxmlformats.org/presentationml/2006/main">
   <p:cSld>
     <p:spTree>
@@ -3822,7 +3932,7 @@
 </p:sld>
 </file>
 
-<file path=ppt/slides/slide17.xml><?xml version="1.0" encoding="utf-8"?>
+<file path=ppt/slides/slide18.xml><?xml version="1.0" encoding="utf-8"?>
 <p:sld xmlns:a="http://schemas.openxmlformats.org/drawingml/2006/main" xmlns:r="http://schemas.openxmlformats.org/officeDocument/2006/relationships" xmlns:p="http://schemas.openxmlformats.org/presentationml/2006/main">
   <p:cSld>
     <p:spTree>
@@ -3938,7 +4048,7 @@
 </p:sld>
 </file>
 
-<file path=ppt/slides/slide18.xml><?xml version="1.0" encoding="utf-8"?>
+<file path=ppt/slides/slide19.xml><?xml version="1.0" encoding="utf-8"?>
 <p:sld xmlns:a="http://schemas.openxmlformats.org/drawingml/2006/main" xmlns:r="http://schemas.openxmlformats.org/officeDocument/2006/relationships" xmlns:p="http://schemas.openxmlformats.org/presentationml/2006/main">
   <p:cSld>
     <p:spTree>
@@ -4237,6 +4347,157 @@
           <a:bodyPr/>
           <a:lstStyle/>
           <a:p>
+            <a:r>
+              <a:rPr lang="zh-CN" altLang="zh-CN" dirty="0"/>
+              <a:t>美国总统办公室发布了两份重要报告</a:t>
+            </a:r>
+            <a:r>
+              <a:rPr lang="zh-CN" altLang="zh-CN" dirty="0" smtClean="0"/>
+              <a:t>《为人工智能的未来做好准备》和《国家人工智能研究与发展战略计划》</a:t>
+            </a:r>
+            <a:endParaRPr lang="en-US" altLang="zh-CN" dirty="0" smtClean="0"/>
+          </a:p>
+          <a:p>
+            <a:r>
+              <a:rPr lang="zh-CN" altLang="en-US" dirty="0"/>
+              <a:t>我国</a:t>
+            </a:r>
+            <a:r>
+              <a:rPr lang="zh-CN" altLang="en-US" dirty="0" smtClean="0"/>
+              <a:t>国务院</a:t>
+            </a:r>
+            <a:r>
+              <a:rPr lang="zh-CN" altLang="en-US" dirty="0"/>
+              <a:t>印发的</a:t>
+            </a:r>
+            <a:r>
+              <a:rPr lang="en-US" altLang="zh-CN" dirty="0"/>
+              <a:t>《</a:t>
+            </a:r>
+            <a:r>
+              <a:rPr lang="zh-CN" altLang="en-US" dirty="0"/>
+              <a:t>新一代人工智能发展规划</a:t>
+            </a:r>
+            <a:r>
+              <a:rPr lang="en-US" altLang="zh-CN" dirty="0"/>
+              <a:t>》</a:t>
+            </a:r>
+            <a:r>
+              <a:rPr lang="zh-CN" altLang="en-US" dirty="0"/>
+              <a:t>（国发</a:t>
+            </a:r>
+            <a:r>
+              <a:rPr lang="en-US" altLang="zh-CN" dirty="0"/>
+              <a:t>[2017]35</a:t>
+            </a:r>
+            <a:r>
+              <a:rPr lang="zh-CN" altLang="en-US" dirty="0"/>
+              <a:t>号）</a:t>
+            </a:r>
+            <a:r>
+              <a:rPr lang="en-US" altLang="zh-CN" dirty="0"/>
+              <a:t>[3]</a:t>
+            </a:r>
+            <a:r>
+              <a:rPr lang="zh-CN" altLang="en-US" dirty="0"/>
+              <a:t>也明确指出，“</a:t>
+            </a:r>
+            <a:r>
+              <a:rPr lang="zh-CN" altLang="en-US" dirty="0" smtClean="0"/>
+              <a:t>人工智能</a:t>
+            </a:r>
+            <a:r>
+              <a:rPr lang="zh-CN" altLang="en-US" dirty="0"/>
+              <a:t>发展的不确定性带来新挑战”，“在大力发展人工智能的同时，必须高度</a:t>
+            </a:r>
+            <a:r>
+              <a:rPr lang="zh-CN" altLang="en-US" dirty="0" smtClean="0"/>
+              <a:t>重视</a:t>
+            </a:r>
+            <a:r>
+              <a:rPr lang="zh-CN" altLang="en-US" dirty="0"/>
+              <a:t>可能带来的安全风险挑战，加强前瞻预防与约束引导，最大限度降低风险，</a:t>
+            </a:r>
+            <a:r>
+              <a:rPr lang="zh-CN" altLang="en-US" dirty="0" smtClean="0"/>
+              <a:t>确保</a:t>
+            </a:r>
+            <a:r>
+              <a:rPr lang="zh-CN" altLang="en-US" dirty="0"/>
+              <a:t>人工智能安全、可靠、可控发展”</a:t>
+            </a:r>
+            <a:endParaRPr lang="zh-CN" altLang="en-US" dirty="0"/>
+          </a:p>
+        </p:txBody>
+      </p:sp>
+      <p:sp>
+        <p:nvSpPr>
+          <p:cNvPr id="3" name="标题 2"/>
+          <p:cNvSpPr>
+            <a:spLocks noGrp="1"/>
+          </p:cNvSpPr>
+          <p:nvPr>
+            <p:ph type="title"/>
+          </p:nvPr>
+        </p:nvSpPr>
+        <p:spPr/>
+        <p:txBody>
+          <a:bodyPr/>
+          <a:lstStyle/>
+          <a:p>
+            <a:r>
+              <a:rPr lang="zh-CN" altLang="en-US" dirty="0" smtClean="0"/>
+              <a:t>背景</a:t>
+            </a:r>
+            <a:endParaRPr lang="zh-CN" altLang="en-US" dirty="0"/>
+          </a:p>
+        </p:txBody>
+      </p:sp>
+    </p:spTree>
+    <p:extLst>
+      <p:ext uri="{BB962C8B-B14F-4D97-AF65-F5344CB8AC3E}">
+        <p14:creationId xmlns:p14="http://schemas.microsoft.com/office/powerpoint/2010/main" val="1455957404"/>
+      </p:ext>
+    </p:extLst>
+  </p:cSld>
+  <p:clrMapOvr>
+    <a:masterClrMapping/>
+  </p:clrMapOvr>
+</p:sld>
+</file>
+
+<file path=ppt/slides/slide4.xml><?xml version="1.0" encoding="utf-8"?>
+<p:sld xmlns:a="http://schemas.openxmlformats.org/drawingml/2006/main" xmlns:r="http://schemas.openxmlformats.org/officeDocument/2006/relationships" xmlns:p="http://schemas.openxmlformats.org/presentationml/2006/main">
+  <p:cSld>
+    <p:spTree>
+      <p:nvGrpSpPr>
+        <p:cNvPr id="1" name=""/>
+        <p:cNvGrpSpPr/>
+        <p:nvPr/>
+      </p:nvGrpSpPr>
+      <p:grpSpPr>
+        <a:xfrm>
+          <a:off x="0" y="0"/>
+          <a:ext cx="0" cy="0"/>
+          <a:chOff x="0" y="0"/>
+          <a:chExt cx="0" cy="0"/>
+        </a:xfrm>
+      </p:grpSpPr>
+      <p:sp>
+        <p:nvSpPr>
+          <p:cNvPr id="2" name="内容占位符 1"/>
+          <p:cNvSpPr>
+            <a:spLocks noGrp="1"/>
+          </p:cNvSpPr>
+          <p:nvPr>
+            <p:ph sz="quarter" idx="10"/>
+          </p:nvPr>
+        </p:nvSpPr>
+        <p:spPr/>
+        <p:txBody>
+          <a:bodyPr/>
+          <a:lstStyle/>
+          <a:p>
             <a:pPr>
               <a:lnSpc>
                 <a:spcPct val="150000"/>
@@ -4345,7 +4606,7 @@
 </p:sld>
 </file>
 
-<file path=ppt/slides/slide4.xml><?xml version="1.0" encoding="utf-8"?>
+<file path=ppt/slides/slide5.xml><?xml version="1.0" encoding="utf-8"?>
 <p:sld xmlns:a="http://schemas.openxmlformats.org/drawingml/2006/main" xmlns:r="http://schemas.openxmlformats.org/officeDocument/2006/relationships" xmlns:p="http://schemas.openxmlformats.org/presentationml/2006/main">
   <p:cSld>
     <p:spTree>
@@ -4489,7 +4750,7 @@
 </p:sld>
 </file>
 
-<file path=ppt/slides/slide5.xml><?xml version="1.0" encoding="utf-8"?>
+<file path=ppt/slides/slide6.xml><?xml version="1.0" encoding="utf-8"?>
 <p:sld xmlns:a="http://schemas.openxmlformats.org/drawingml/2006/main" xmlns:r="http://schemas.openxmlformats.org/officeDocument/2006/relationships" xmlns:p="http://schemas.openxmlformats.org/presentationml/2006/main">
   <p:cSld>
     <p:spTree>
@@ -4581,7 +4842,7 @@
 </p:sld>
 </file>
 
-<file path=ppt/slides/slide6.xml><?xml version="1.0" encoding="utf-8"?>
+<file path=ppt/slides/slide7.xml><?xml version="1.0" encoding="utf-8"?>
 <p:sld xmlns:a="http://schemas.openxmlformats.org/drawingml/2006/main" xmlns:r="http://schemas.openxmlformats.org/officeDocument/2006/relationships" xmlns:p="http://schemas.openxmlformats.org/presentationml/2006/main">
   <p:cSld>
     <p:spTree>
@@ -4843,7 +5104,7 @@
           <a:graphicData uri="http://schemas.openxmlformats.org/presentationml/2006/ole">
             <mc:AlternateContent xmlns:mc="http://schemas.openxmlformats.org/markup-compatibility/2006">
               <mc:Choice xmlns:v="urn:schemas-microsoft-com:vml" Requires="v">
-                <p:oleObj spid="_x0000_s1039" name="Equation" r:id="rId6" imgW="2044440" imgH="457200" progId="Equation.DSMT4">
+                <p:oleObj spid="_x0000_s1040" name="Equation" r:id="rId6" imgW="2044440" imgH="457200" progId="Equation.DSMT4">
                   <p:embed/>
                 </p:oleObj>
               </mc:Choice>
@@ -4897,7 +5158,7 @@
 </p:sld>
 </file>
 
-<file path=ppt/slides/slide7.xml><?xml version="1.0" encoding="utf-8"?>
+<file path=ppt/slides/slide8.xml><?xml version="1.0" encoding="utf-8"?>
 <p:sld xmlns:a="http://schemas.openxmlformats.org/drawingml/2006/main" xmlns:r="http://schemas.openxmlformats.org/officeDocument/2006/relationships" xmlns:p="http://schemas.openxmlformats.org/presentationml/2006/main">
   <p:cSld>
     <p:spTree>
@@ -5121,7 +5382,7 @@
 </p:sld>
 </file>
 
-<file path=ppt/slides/slide8.xml><?xml version="1.0" encoding="utf-8"?>
+<file path=ppt/slides/slide9.xml><?xml version="1.0" encoding="utf-8"?>
 <p:sld xmlns:a="http://schemas.openxmlformats.org/drawingml/2006/main" xmlns:r="http://schemas.openxmlformats.org/officeDocument/2006/relationships" xmlns:p="http://schemas.openxmlformats.org/presentationml/2006/main">
   <p:cSld>
     <p:spTree>
@@ -5217,119 +5478,6 @@
     <p:extLst>
       <p:ext uri="{BB962C8B-B14F-4D97-AF65-F5344CB8AC3E}">
         <p14:creationId xmlns:p14="http://schemas.microsoft.com/office/powerpoint/2010/main" val="545774708"/>
-      </p:ext>
-    </p:extLst>
-  </p:cSld>
-  <p:clrMapOvr>
-    <a:masterClrMapping/>
-  </p:clrMapOvr>
-</p:sld>
-</file>
-
-<file path=ppt/slides/slide9.xml><?xml version="1.0" encoding="utf-8"?>
-<p:sld xmlns:a="http://schemas.openxmlformats.org/drawingml/2006/main" xmlns:r="http://schemas.openxmlformats.org/officeDocument/2006/relationships" xmlns:p="http://schemas.openxmlformats.org/presentationml/2006/main">
-  <p:cSld>
-    <p:spTree>
-      <p:nvGrpSpPr>
-        <p:cNvPr id="1" name=""/>
-        <p:cNvGrpSpPr/>
-        <p:nvPr/>
-      </p:nvGrpSpPr>
-      <p:grpSpPr>
-        <a:xfrm>
-          <a:off x="0" y="0"/>
-          <a:ext cx="0" cy="0"/>
-          <a:chOff x="0" y="0"/>
-          <a:chExt cx="0" cy="0"/>
-        </a:xfrm>
-      </p:grpSpPr>
-      <p:sp>
-        <p:nvSpPr>
-          <p:cNvPr id="2" name="内容占位符 1"/>
-          <p:cNvSpPr>
-            <a:spLocks noGrp="1"/>
-          </p:cNvSpPr>
-          <p:nvPr>
-            <p:ph sz="quarter" idx="10"/>
-          </p:nvPr>
-        </p:nvSpPr>
-        <p:spPr/>
-        <p:txBody>
-          <a:bodyPr/>
-          <a:lstStyle/>
-          <a:p>
-            <a:r>
-              <a:rPr lang="zh-CN" altLang="en-US" sz="2800" dirty="0"/>
-              <a:t>错误分类</a:t>
-            </a:r>
-          </a:p>
-          <a:p>
-            <a:r>
-              <a:rPr lang="en-US" altLang="zh-CN" sz="2800" dirty="0" err="1"/>
-              <a:t>Yannan</a:t>
-            </a:r>
-            <a:r>
-              <a:rPr lang="en-US" altLang="zh-CN" sz="2800" dirty="0"/>
-              <a:t> Liu, </a:t>
-            </a:r>
-            <a:r>
-              <a:rPr lang="en-US" altLang="zh-CN" sz="2800" dirty="0" err="1"/>
-              <a:t>Lingxiao</a:t>
-            </a:r>
-            <a:r>
-              <a:rPr lang="en-US" altLang="zh-CN" sz="2800" dirty="0"/>
-              <a:t> Wei </a:t>
-            </a:r>
-            <a:r>
-              <a:rPr lang="zh-CN" altLang="en-US" sz="2800" dirty="0" smtClean="0"/>
-              <a:t>等提出</a:t>
-            </a:r>
-            <a:r>
-              <a:rPr lang="zh-CN" altLang="en-US" sz="2800" dirty="0"/>
-              <a:t>了两种针对深度学习模型的故障注入</a:t>
-            </a:r>
-            <a:r>
-              <a:rPr lang="zh-CN" altLang="en-US" sz="2800" dirty="0" smtClean="0"/>
-              <a:t>攻击，</a:t>
-            </a:r>
-            <a:r>
-              <a:rPr lang="zh-CN" altLang="en-US" sz="2800" dirty="0"/>
-              <a:t>对深度学习模型参数进行微小改动即可实现错误分类。 </a:t>
-            </a:r>
-            <a:endParaRPr lang="en-US" altLang="zh-CN" sz="2800" dirty="0" smtClean="0"/>
-          </a:p>
-        </p:txBody>
-      </p:sp>
-      <p:sp>
-        <p:nvSpPr>
-          <p:cNvPr id="3" name="标题 2"/>
-          <p:cNvSpPr>
-            <a:spLocks noGrp="1"/>
-          </p:cNvSpPr>
-          <p:nvPr>
-            <p:ph type="title"/>
-          </p:nvPr>
-        </p:nvSpPr>
-        <p:spPr/>
-        <p:txBody>
-          <a:bodyPr/>
-          <a:lstStyle/>
-          <a:p>
-            <a:r>
-              <a:rPr lang="zh-CN" altLang="en-US" dirty="0"/>
-              <a:t>针对神经网络的实现</a:t>
-            </a:r>
-            <a:br>
-              <a:rPr lang="zh-CN" altLang="en-US" dirty="0"/>
-            </a:br>
-            <a:endParaRPr lang="zh-CN" altLang="en-US" dirty="0"/>
-          </a:p>
-        </p:txBody>
-      </p:sp>
-    </p:spTree>
-    <p:extLst>
-      <p:ext uri="{BB962C8B-B14F-4D97-AF65-F5344CB8AC3E}">
-        <p14:creationId xmlns:p14="http://schemas.microsoft.com/office/powerpoint/2010/main" val="719284858"/>
       </p:ext>
     </p:extLst>
   </p:cSld>
